--- a/Ankalu-Presentation.pptx
+++ b/Ankalu-Presentation.pptx
@@ -35,16 +35,16 @@
   <p:notesSz cx="6858000" cy="9144000"/>
   <p:embeddedFontLst>
     <p:embeddedFont>
-      <p:font typeface="Roboto" panose="020B0604020202020204" charset="0"/>
+      <p:font typeface="Dosis" panose="020B0604020202020204" charset="0"/>
       <p:regular r:id="rId25"/>
       <p:bold r:id="rId26"/>
-      <p:italic r:id="rId27"/>
-      <p:boldItalic r:id="rId28"/>
     </p:embeddedFont>
     <p:embeddedFont>
-      <p:font typeface="Dosis" panose="020B0604020202020204" charset="0"/>
-      <p:regular r:id="rId29"/>
-      <p:bold r:id="rId30"/>
+      <p:font typeface="Roboto" panose="020B0604020202020204" charset="0"/>
+      <p:regular r:id="rId27"/>
+      <p:bold r:id="rId28"/>
+      <p:italic r:id="rId29"/>
+      <p:boldItalic r:id="rId30"/>
     </p:embeddedFont>
   </p:embeddedFontLst>
   <p:defaultTextStyle>
@@ -280,8 +280,26 @@
         </p14:section>
       </p14:sectionLst>
     </p:ext>
+    <p:ext uri="{EFAFB233-063F-42B5-8137-9DF3F51BA10A}">
+      <p15:sldGuideLst xmlns:p15="http://schemas.microsoft.com/office/powerpoint/2012/main">
+        <p15:guide id="1" orient="horz" pos="1620">
+          <p15:clr>
+            <a:srgbClr val="A4A3A4"/>
+          </p15:clr>
+        </p15:guide>
+        <p15:guide id="2" pos="2880">
+          <p15:clr>
+            <a:srgbClr val="A4A3A4"/>
+          </p15:clr>
+        </p15:guide>
+      </p15:sldGuideLst>
+    </p:ext>
   </p:extLst>
 </p:presentation>
+</file>
+
+<file path=ppt/revisionInfo.xml><?xml version="1.0" encoding="utf-8"?>
+<p1510:revInfo xmlns:a="http://schemas.openxmlformats.org/drawingml/2006/main" xmlns:r="http://schemas.openxmlformats.org/officeDocument/2006/relationships" xmlns:p1510="http://schemas.microsoft.com/office/powerpoint/2015/10/main"/>
 </file>
 
 <file path=ppt/notesMasters/notesMaster1.xml><?xml version="1.0" encoding="utf-8"?>
@@ -636,10 +654,443 @@
               <a:buNone/>
             </a:pPr>
             <a:r>
-              <a:rPr lang="de-DE" dirty="0" smtClean="0"/>
+              <a:rPr lang="de-DE" dirty="0"/>
               <a:t>Vision</a:t>
             </a:r>
             <a:endParaRPr dirty="0"/>
+          </a:p>
+        </p:txBody>
+      </p:sp>
+    </p:spTree>
+  </p:cSld>
+  <p:clrMapOvr>
+    <a:masterClrMapping/>
+  </p:clrMapOvr>
+</p:notes>
+</file>
+
+<file path=ppt/notesSlides/notesSlide10.xml><?xml version="1.0" encoding="utf-8"?>
+<p:notes xmlns:a="http://schemas.openxmlformats.org/drawingml/2006/main" xmlns:r="http://schemas.openxmlformats.org/officeDocument/2006/relationships" xmlns:p="http://schemas.openxmlformats.org/presentationml/2006/main">
+  <p:cSld>
+    <p:spTree>
+      <p:nvGrpSpPr>
+        <p:cNvPr id="1" name=""/>
+        <p:cNvGrpSpPr/>
+        <p:nvPr/>
+      </p:nvGrpSpPr>
+      <p:grpSpPr>
+        <a:xfrm>
+          <a:off x="0" y="0"/>
+          <a:ext cx="0" cy="0"/>
+          <a:chOff x="0" y="0"/>
+          <a:chExt cx="0" cy="0"/>
+        </a:xfrm>
+      </p:grpSpPr>
+      <p:sp>
+        <p:nvSpPr>
+          <p:cNvPr id="2" name="Folienbildplatzhalter 1"/>
+          <p:cNvSpPr>
+            <a:spLocks noGrp="1" noRot="1" noChangeAspect="1"/>
+          </p:cNvSpPr>
+          <p:nvPr>
+            <p:ph type="sldImg"/>
+          </p:nvPr>
+        </p:nvSpPr>
+        <p:spPr/>
+      </p:sp>
+      <p:sp>
+        <p:nvSpPr>
+          <p:cNvPr id="3" name="Notizenplatzhalter 2"/>
+          <p:cNvSpPr>
+            <a:spLocks noGrp="1"/>
+          </p:cNvSpPr>
+          <p:nvPr>
+            <p:ph type="body" idx="1"/>
+          </p:nvPr>
+        </p:nvSpPr>
+        <p:spPr/>
+        <p:txBody>
+          <a:bodyPr/>
+          <a:lstStyle/>
+          <a:p>
+            <a:r>
+              <a:rPr lang="de-DE" sz="1100" kern="1200" dirty="0" err="1">
+                <a:solidFill>
+                  <a:schemeClr val="tx1"/>
+                </a:solidFill>
+                <a:effectLst/>
+                <a:latin typeface="+mn-lt"/>
+                <a:ea typeface="+mn-ea"/>
+                <a:cs typeface="+mn-cs"/>
+              </a:rPr>
+              <a:t>Ankalu</a:t>
+            </a:r>
+            <a:r>
+              <a:rPr lang="de-DE" sz="1100" kern="1200" dirty="0">
+                <a:solidFill>
+                  <a:schemeClr val="tx1"/>
+                </a:solidFill>
+                <a:effectLst/>
+                <a:latin typeface="+mn-lt"/>
+                <a:ea typeface="+mn-ea"/>
+                <a:cs typeface="+mn-cs"/>
+              </a:rPr>
+              <a:t> Tetris mit dem State Pattern implementiert:</a:t>
+            </a:r>
+          </a:p>
+          <a:p>
+            <a:pPr lvl="0"/>
+            <a:r>
+              <a:rPr lang="en-US" sz="1100" kern="1200" dirty="0">
+                <a:solidFill>
+                  <a:schemeClr val="tx1"/>
+                </a:solidFill>
+                <a:effectLst/>
+                <a:latin typeface="+mn-lt"/>
+                <a:ea typeface="+mn-ea"/>
+                <a:cs typeface="+mn-cs"/>
+              </a:rPr>
+              <a:t>4 </a:t>
+            </a:r>
+            <a:r>
+              <a:rPr lang="en-US" sz="1100" kern="1200" dirty="0" err="1">
+                <a:solidFill>
+                  <a:schemeClr val="tx1"/>
+                </a:solidFill>
+                <a:effectLst/>
+                <a:latin typeface="+mn-lt"/>
+                <a:ea typeface="+mn-ea"/>
+                <a:cs typeface="+mn-cs"/>
+              </a:rPr>
+              <a:t>Stati</a:t>
+            </a:r>
+            <a:r>
+              <a:rPr lang="en-US" sz="1100" kern="1200" dirty="0">
+                <a:solidFill>
+                  <a:schemeClr val="tx1"/>
+                </a:solidFill>
+                <a:effectLst/>
+                <a:latin typeface="+mn-lt"/>
+                <a:ea typeface="+mn-ea"/>
+                <a:cs typeface="+mn-cs"/>
+              </a:rPr>
+              <a:t>: GET READY, PAUSE, GAMEOVER, PLAYING</a:t>
+            </a:r>
+            <a:endParaRPr lang="de-DE" sz="1100" kern="1200" dirty="0">
+              <a:solidFill>
+                <a:schemeClr val="tx1"/>
+              </a:solidFill>
+              <a:effectLst/>
+              <a:latin typeface="+mn-lt"/>
+              <a:ea typeface="+mn-ea"/>
+              <a:cs typeface="+mn-cs"/>
+            </a:endParaRPr>
+          </a:p>
+          <a:p>
+            <a:pPr lvl="0"/>
+            <a:r>
+              <a:rPr lang="en-US" sz="1100" kern="1200" dirty="0">
+                <a:solidFill>
+                  <a:schemeClr val="tx1"/>
+                </a:solidFill>
+                <a:effectLst/>
+                <a:latin typeface="+mn-lt"/>
+                <a:ea typeface="+mn-ea"/>
+                <a:cs typeface="+mn-cs"/>
+              </a:rPr>
+              <a:t>GETREADY </a:t>
+            </a:r>
+            <a:r>
+              <a:rPr lang="en-US" sz="1100" kern="1200" dirty="0">
+                <a:solidFill>
+                  <a:schemeClr val="tx1"/>
+                </a:solidFill>
+                <a:effectLst/>
+                <a:latin typeface="+mn-lt"/>
+                <a:ea typeface="+mn-ea"/>
+                <a:cs typeface="+mn-cs"/>
+                <a:sym typeface="Wingdings" panose="05000000000000000000" pitchFamily="2" charset="2"/>
+              </a:rPr>
+              <a:t></a:t>
+            </a:r>
+            <a:r>
+              <a:rPr lang="en-US" sz="1100" kern="1200" dirty="0">
+                <a:solidFill>
+                  <a:schemeClr val="tx1"/>
+                </a:solidFill>
+                <a:effectLst/>
+                <a:latin typeface="+mn-lt"/>
+                <a:ea typeface="+mn-ea"/>
+                <a:cs typeface="+mn-cs"/>
+              </a:rPr>
+              <a:t> PLAYING</a:t>
+            </a:r>
+            <a:endParaRPr lang="de-DE" sz="1100" kern="1200" dirty="0">
+              <a:solidFill>
+                <a:schemeClr val="tx1"/>
+              </a:solidFill>
+              <a:effectLst/>
+              <a:latin typeface="+mn-lt"/>
+              <a:ea typeface="+mn-ea"/>
+              <a:cs typeface="+mn-cs"/>
+            </a:endParaRPr>
+          </a:p>
+          <a:p>
+            <a:pPr lvl="0"/>
+            <a:r>
+              <a:rPr lang="en-US" sz="1100" kern="1200" dirty="0" err="1">
+                <a:solidFill>
+                  <a:schemeClr val="tx1"/>
+                </a:solidFill>
+                <a:effectLst/>
+                <a:latin typeface="+mn-lt"/>
+                <a:ea typeface="+mn-ea"/>
+                <a:cs typeface="+mn-cs"/>
+              </a:rPr>
+              <a:t>Im</a:t>
+            </a:r>
+            <a:r>
+              <a:rPr lang="en-US" sz="1100" kern="1200" dirty="0">
+                <a:solidFill>
+                  <a:schemeClr val="tx1"/>
+                </a:solidFill>
+                <a:effectLst/>
+                <a:latin typeface="+mn-lt"/>
+                <a:ea typeface="+mn-ea"/>
+                <a:cs typeface="+mn-cs"/>
+              </a:rPr>
+              <a:t> Status Playing </a:t>
+            </a:r>
+            <a:r>
+              <a:rPr lang="en-US" sz="1100" kern="1200" dirty="0" err="1">
+                <a:solidFill>
+                  <a:schemeClr val="tx1"/>
+                </a:solidFill>
+                <a:effectLst/>
+                <a:latin typeface="+mn-lt"/>
+                <a:ea typeface="+mn-ea"/>
+                <a:cs typeface="+mn-cs"/>
+              </a:rPr>
+              <a:t>funktionieren</a:t>
+            </a:r>
+            <a:r>
+              <a:rPr lang="en-US" sz="1100" kern="1200" dirty="0">
+                <a:solidFill>
+                  <a:schemeClr val="tx1"/>
+                </a:solidFill>
+                <a:effectLst/>
+                <a:latin typeface="+mn-lt"/>
+                <a:ea typeface="+mn-ea"/>
+                <a:cs typeface="+mn-cs"/>
+              </a:rPr>
+              <a:t> </a:t>
+            </a:r>
+            <a:r>
+              <a:rPr lang="en-US" sz="1100" kern="1200" dirty="0" err="1">
+                <a:solidFill>
+                  <a:schemeClr val="tx1"/>
+                </a:solidFill>
+                <a:effectLst/>
+                <a:latin typeface="+mn-lt"/>
+                <a:ea typeface="+mn-ea"/>
+                <a:cs typeface="+mn-cs"/>
+              </a:rPr>
+              <a:t>Bewegungsbefehle</a:t>
+            </a:r>
+            <a:endParaRPr lang="de-DE" sz="1100" kern="1200" dirty="0">
+              <a:solidFill>
+                <a:schemeClr val="tx1"/>
+              </a:solidFill>
+              <a:effectLst/>
+              <a:latin typeface="+mn-lt"/>
+              <a:ea typeface="+mn-ea"/>
+              <a:cs typeface="+mn-cs"/>
+            </a:endParaRPr>
+          </a:p>
+          <a:p>
+            <a:pPr lvl="0"/>
+            <a:r>
+              <a:rPr lang="de-DE" sz="1100" kern="1200" dirty="0">
+                <a:solidFill>
+                  <a:schemeClr val="tx1"/>
+                </a:solidFill>
+                <a:effectLst/>
+                <a:latin typeface="+mn-lt"/>
+                <a:ea typeface="+mn-ea"/>
+                <a:cs typeface="+mn-cs"/>
+              </a:rPr>
+              <a:t>Pausiert oder GAMEOVER: nicht mehr bewegbar</a:t>
+            </a:r>
+          </a:p>
+          <a:p>
+            <a:endParaRPr lang="de-DE" dirty="0"/>
+          </a:p>
+        </p:txBody>
+      </p:sp>
+    </p:spTree>
+    <p:extLst>
+      <p:ext uri="{BB962C8B-B14F-4D97-AF65-F5344CB8AC3E}">
+        <p14:creationId xmlns:p14="http://schemas.microsoft.com/office/powerpoint/2010/main" val="1382885418"/>
+      </p:ext>
+    </p:extLst>
+  </p:cSld>
+  <p:clrMapOvr>
+    <a:masterClrMapping/>
+  </p:clrMapOvr>
+</p:notes>
+</file>
+
+<file path=ppt/notesSlides/notesSlide11.xml><?xml version="1.0" encoding="utf-8"?>
+<p:notes xmlns:a="http://schemas.openxmlformats.org/drawingml/2006/main" xmlns:r="http://schemas.openxmlformats.org/officeDocument/2006/relationships" xmlns:p="http://schemas.openxmlformats.org/presentationml/2006/main">
+  <p:cSld>
+    <p:spTree>
+      <p:nvGrpSpPr>
+        <p:cNvPr id="1" name=""/>
+        <p:cNvGrpSpPr/>
+        <p:nvPr/>
+      </p:nvGrpSpPr>
+      <p:grpSpPr>
+        <a:xfrm>
+          <a:off x="0" y="0"/>
+          <a:ext cx="0" cy="0"/>
+          <a:chOff x="0" y="0"/>
+          <a:chExt cx="0" cy="0"/>
+        </a:xfrm>
+      </p:grpSpPr>
+      <p:sp>
+        <p:nvSpPr>
+          <p:cNvPr id="2" name="Folienbildplatzhalter 1"/>
+          <p:cNvSpPr>
+            <a:spLocks noGrp="1" noRot="1" noChangeAspect="1"/>
+          </p:cNvSpPr>
+          <p:nvPr>
+            <p:ph type="sldImg"/>
+          </p:nvPr>
+        </p:nvSpPr>
+        <p:spPr/>
+      </p:sp>
+      <p:sp>
+        <p:nvSpPr>
+          <p:cNvPr id="3" name="Notizenplatzhalter 2"/>
+          <p:cNvSpPr>
+            <a:spLocks noGrp="1"/>
+          </p:cNvSpPr>
+          <p:nvPr>
+            <p:ph type="body" idx="1"/>
+          </p:nvPr>
+        </p:nvSpPr>
+        <p:spPr/>
+        <p:txBody>
+          <a:bodyPr/>
+          <a:lstStyle/>
+          <a:p>
+            <a:endParaRPr lang="de-DE" dirty="0"/>
+          </a:p>
+        </p:txBody>
+      </p:sp>
+    </p:spTree>
+    <p:extLst>
+      <p:ext uri="{BB962C8B-B14F-4D97-AF65-F5344CB8AC3E}">
+        <p14:creationId xmlns:p14="http://schemas.microsoft.com/office/powerpoint/2010/main" val="889957498"/>
+      </p:ext>
+    </p:extLst>
+  </p:cSld>
+  <p:clrMapOvr>
+    <a:masterClrMapping/>
+  </p:clrMapOvr>
+</p:notes>
+</file>
+
+<file path=ppt/notesSlides/notesSlide12.xml><?xml version="1.0" encoding="utf-8"?>
+<p:notes xmlns:a="http://schemas.openxmlformats.org/drawingml/2006/main" xmlns:r="http://schemas.openxmlformats.org/officeDocument/2006/relationships" xmlns:p="http://schemas.openxmlformats.org/presentationml/2006/main" showMasterSp="0" showMasterPhAnim="0">
+  <p:cSld>
+    <p:spTree>
+      <p:nvGrpSpPr>
+        <p:cNvPr id="1" name="Shape 123"/>
+        <p:cNvGrpSpPr/>
+        <p:nvPr/>
+      </p:nvGrpSpPr>
+      <p:grpSpPr>
+        <a:xfrm>
+          <a:off x="0" y="0"/>
+          <a:ext cx="0" cy="0"/>
+          <a:chOff x="0" y="0"/>
+          <a:chExt cx="0" cy="0"/>
+        </a:xfrm>
+      </p:grpSpPr>
+      <p:sp>
+        <p:nvSpPr>
+          <p:cNvPr id="124" name="Shape 124"/>
+          <p:cNvSpPr>
+            <a:spLocks noGrp="1" noRot="1" noChangeAspect="1"/>
+          </p:cNvSpPr>
+          <p:nvPr>
+            <p:ph type="sldImg" idx="2"/>
+          </p:nvPr>
+        </p:nvSpPr>
+        <p:spPr>
+          <a:xfrm>
+            <a:off x="381000" y="685800"/>
+            <a:ext cx="6096000" cy="3429000"/>
+          </a:xfrm>
+          <a:custGeom>
+            <a:avLst/>
+            <a:gdLst/>
+            <a:ahLst/>
+            <a:cxnLst/>
+            <a:rect l="0" t="0" r="0" b="0"/>
+            <a:pathLst>
+              <a:path w="120000" h="120000" extrusionOk="0">
+                <a:moveTo>
+                  <a:pt x="0" y="0"/>
+                </a:moveTo>
+                <a:lnTo>
+                  <a:pt x="120000" y="0"/>
+                </a:lnTo>
+                <a:lnTo>
+                  <a:pt x="120000" y="120000"/>
+                </a:lnTo>
+                <a:lnTo>
+                  <a:pt x="0" y="120000"/>
+                </a:lnTo>
+                <a:close/>
+              </a:path>
+            </a:pathLst>
+          </a:custGeom>
+        </p:spPr>
+      </p:sp>
+      <p:sp>
+        <p:nvSpPr>
+          <p:cNvPr id="125" name="Shape 125"/>
+          <p:cNvSpPr txBox="1">
+            <a:spLocks noGrp="1"/>
+          </p:cNvSpPr>
+          <p:nvPr>
+            <p:ph type="body" idx="1"/>
+          </p:nvPr>
+        </p:nvSpPr>
+        <p:spPr>
+          <a:xfrm>
+            <a:off x="685800" y="4343400"/>
+            <a:ext cx="5486399" cy="4114800"/>
+          </a:xfrm>
+          <a:prstGeom prst="rect">
+            <a:avLst/>
+          </a:prstGeom>
+        </p:spPr>
+        <p:txBody>
+          <a:bodyPr lIns="91425" tIns="91425" rIns="91425" bIns="91425" anchor="t" anchorCtr="0">
+            <a:noAutofit/>
+          </a:bodyPr>
+          <a:lstStyle/>
+          <a:p>
+            <a:pPr lvl="0">
+              <a:spcBef>
+                <a:spcPts val="0"/>
+              </a:spcBef>
+              <a:buNone/>
+            </a:pPr>
+            <a:endParaRPr/>
           </a:p>
         </p:txBody>
       </p:sp>
@@ -734,7 +1185,7 @@
           </a:bodyPr>
           <a:lstStyle/>
           <a:p>
-            <a:endParaRPr lang="de-DE" dirty="0" smtClean="0"/>
+            <a:endParaRPr lang="de-DE" dirty="0"/>
           </a:p>
           <a:p>
             <a:pPr lvl="0">
@@ -839,72 +1290,72 @@
           <a:lstStyle/>
           <a:p>
             <a:r>
-              <a:rPr lang="de-DE" dirty="0" smtClean="0"/>
+              <a:rPr lang="de-DE" dirty="0"/>
               <a:t>-Vorgehensmodell</a:t>
             </a:r>
             <a:r>
-              <a:rPr lang="de-DE" baseline="0" dirty="0" smtClean="0"/>
+              <a:rPr lang="de-DE" baseline="0" dirty="0"/>
               <a:t> zur agilen Softwareentwicklung </a:t>
             </a:r>
           </a:p>
           <a:p>
             <a:r>
-              <a:rPr lang="de-DE" baseline="0" dirty="0" smtClean="0"/>
+              <a:rPr lang="de-DE" baseline="0" dirty="0"/>
               <a:t>-empirisch (Sammlung von Daten), inkrementell (kontinuierliche Verbesserung), iterativ(Mehrfache Wiederholung) -viele </a:t>
             </a:r>
             <a:r>
-              <a:rPr lang="de-DE" baseline="0" dirty="0" err="1" smtClean="0"/>
+              <a:rPr lang="de-DE" baseline="0" dirty="0" err="1"/>
               <a:t>entwicklungsprojekte</a:t>
             </a:r>
             <a:r>
-              <a:rPr lang="de-DE" baseline="0" dirty="0" smtClean="0"/>
+              <a:rPr lang="de-DE" baseline="0" dirty="0"/>
               <a:t> zu komplex, um sie umfänglich detailliert planen zu können (Wasserfallprinzip das ganze </a:t>
             </a:r>
             <a:r>
-              <a:rPr lang="de-DE" baseline="0" dirty="0" err="1" smtClean="0"/>
+              <a:rPr lang="de-DE" baseline="0" dirty="0" err="1"/>
               <a:t>projekt</a:t>
             </a:r>
             <a:r>
-              <a:rPr lang="de-DE" baseline="0" dirty="0" smtClean="0"/>
+              <a:rPr lang="de-DE" baseline="0" dirty="0"/>
               <a:t> in einem rutsch definiert und umgesetzt)</a:t>
             </a:r>
           </a:p>
           <a:p>
             <a:r>
-              <a:rPr lang="de-DE" baseline="0" dirty="0" smtClean="0"/>
+              <a:rPr lang="de-DE" baseline="0" dirty="0"/>
               <a:t>-Lösung durch Zwischenergebnisse  </a:t>
             </a:r>
             <a:r>
-              <a:rPr lang="de-DE" baseline="0" dirty="0" smtClean="0">
+              <a:rPr lang="de-DE" baseline="0" dirty="0">
                 <a:sym typeface="Wingdings" panose="05000000000000000000" pitchFamily="2" charset="2"/>
               </a:rPr>
               <a:t> Überschaubar, mehrere Stufen</a:t>
             </a:r>
-            <a:endParaRPr lang="de-DE" baseline="0" dirty="0" smtClean="0"/>
+            <a:endParaRPr lang="de-DE" baseline="0" dirty="0"/>
           </a:p>
           <a:p>
             <a:r>
-              <a:rPr lang="de-DE" baseline="0" dirty="0" smtClean="0"/>
+              <a:rPr lang="de-DE" baseline="0" dirty="0"/>
               <a:t>-langfristiger Plan wird kontinuierlich verbessert</a:t>
             </a:r>
           </a:p>
           <a:p>
             <a:r>
-              <a:rPr lang="de-DE" baseline="0" dirty="0" smtClean="0"/>
+              <a:rPr lang="de-DE" baseline="0" dirty="0"/>
               <a:t>-detailplan für nächsten </a:t>
             </a:r>
             <a:r>
-              <a:rPr lang="de-DE" baseline="0" dirty="0" err="1" smtClean="0"/>
+              <a:rPr lang="de-DE" baseline="0" dirty="0" err="1"/>
               <a:t>zyklus</a:t>
             </a:r>
             <a:r>
-              <a:rPr lang="de-DE" baseline="0" dirty="0" smtClean="0"/>
+              <a:rPr lang="de-DE" baseline="0" dirty="0"/>
               <a:t> erstellt (Sprint)</a:t>
             </a:r>
           </a:p>
           <a:p>
             <a:r>
-              <a:rPr lang="de-DE" baseline="0" dirty="0" smtClean="0">
+              <a:rPr lang="de-DE" baseline="0" dirty="0">
                 <a:sym typeface="Wingdings" panose="05000000000000000000" pitchFamily="2" charset="2"/>
               </a:rPr>
               <a:t>Projektplanung aus wesentlich reduziert</a:t>
@@ -912,43 +1363,43 @@
           </a:p>
           <a:p>
             <a:r>
-              <a:rPr lang="de-DE" baseline="0" dirty="0" smtClean="0">
+              <a:rPr lang="de-DE" baseline="0" dirty="0">
                 <a:sym typeface="Wingdings" panose="05000000000000000000" pitchFamily="2" charset="2"/>
               </a:rPr>
               <a:t>-Transparenz, </a:t>
             </a:r>
             <a:r>
-              <a:rPr lang="de-DE" baseline="0" dirty="0" err="1" smtClean="0">
+              <a:rPr lang="de-DE" baseline="0" dirty="0" err="1">
                 <a:sym typeface="Wingdings" panose="05000000000000000000" pitchFamily="2" charset="2"/>
               </a:rPr>
               <a:t>überprüfung</a:t>
             </a:r>
             <a:r>
-              <a:rPr lang="de-DE" baseline="0" dirty="0" smtClean="0">
+              <a:rPr lang="de-DE" baseline="0" dirty="0">
                 <a:sym typeface="Wingdings" panose="05000000000000000000" pitchFamily="2" charset="2"/>
               </a:rPr>
               <a:t>, </a:t>
             </a:r>
             <a:r>
-              <a:rPr lang="de-DE" baseline="0" dirty="0" err="1" smtClean="0">
+              <a:rPr lang="de-DE" baseline="0" dirty="0" err="1">
                 <a:sym typeface="Wingdings" panose="05000000000000000000" pitchFamily="2" charset="2"/>
               </a:rPr>
               <a:t>anpassung</a:t>
             </a:r>
-            <a:endParaRPr lang="de-DE" baseline="0" dirty="0" smtClean="0">
+            <a:endParaRPr lang="de-DE" baseline="0" dirty="0">
               <a:sym typeface="Wingdings" panose="05000000000000000000" pitchFamily="2" charset="2"/>
             </a:endParaRPr>
           </a:p>
           <a:p>
             <a:r>
-              <a:rPr lang="de-DE" baseline="0" dirty="0" smtClean="0">
+              <a:rPr lang="de-DE" baseline="0" dirty="0">
                 <a:sym typeface="Wingdings" panose="05000000000000000000" pitchFamily="2" charset="2"/>
               </a:rPr>
               <a:t>-Sprint 1-4 Wochen</a:t>
             </a:r>
           </a:p>
           <a:p>
-            <a:endParaRPr lang="de-DE" dirty="0" smtClean="0"/>
+            <a:endParaRPr lang="de-DE" dirty="0"/>
           </a:p>
           <a:p>
             <a:pPr lvl="0">
@@ -1171,25 +1622,25 @@
               <a:defRPr/>
             </a:pPr>
             <a:r>
-              <a:rPr lang="de-DE" dirty="0" smtClean="0"/>
+              <a:rPr lang="de-DE" dirty="0"/>
               <a:t>RUP</a:t>
             </a:r>
             <a:r>
-              <a:rPr lang="de-DE" baseline="0" dirty="0" smtClean="0"/>
+              <a:rPr lang="de-DE" baseline="0" dirty="0"/>
               <a:t> ist eine Vorgehensweise zur </a:t>
             </a:r>
             <a:r>
-              <a:rPr lang="de-DE" baseline="0" dirty="0" err="1" smtClean="0"/>
+              <a:rPr lang="de-DE" baseline="0" dirty="0" err="1"/>
               <a:t>Softwareentwicklung</a:t>
             </a:r>
             <a:r>
-              <a:rPr lang="de-DE" baseline="0" dirty="0" err="1" smtClean="0">
+              <a:rPr lang="de-DE" baseline="0" dirty="0" err="1">
                 <a:sym typeface="Wingdings" panose="05000000000000000000" pitchFamily="2" charset="2"/>
               </a:rPr>
               <a:t></a:t>
             </a:r>
             <a:r>
-              <a:rPr lang="de-DE" sz="1100" b="0" i="0" kern="1200" dirty="0" err="1" smtClean="0">
+              <a:rPr lang="de-DE" sz="1100" b="0" i="0" kern="1200" dirty="0" err="1">
                 <a:solidFill>
                   <a:schemeClr val="tx1"/>
                 </a:solidFill>
@@ -1201,7 +1652,7 @@
               <a:t>In</a:t>
             </a:r>
             <a:r>
-              <a:rPr lang="de-DE" sz="1100" b="0" i="0" kern="1200" dirty="0" smtClean="0">
+              <a:rPr lang="de-DE" sz="1100" b="0" i="0" kern="1200" dirty="0">
                 <a:solidFill>
                   <a:schemeClr val="tx1"/>
                 </a:solidFill>
@@ -1212,7 +1663,7 @@
               </a:rPr>
               <a:t> jeder der vier Phasen werden Aktivitäten (Arbeitsschritte) einzelner Disziplinen gebündelt. Weiterhin sind die einzelnen Phasen in Iterationen unterteilt. Jede Iteration schließt mit einem Meilenstein ab (definiertes Ziel).</a:t>
             </a:r>
-            <a:endParaRPr lang="de-DE" dirty="0" smtClean="0"/>
+            <a:endParaRPr lang="de-DE" dirty="0"/>
           </a:p>
           <a:p>
             <a:pPr lvl="0">
@@ -1300,11 +1751,11 @@
 </file>
 
 <file path=ppt/notesSlides/notesSlide7.xml><?xml version="1.0" encoding="utf-8"?>
-<p:notes xmlns:a="http://schemas.openxmlformats.org/drawingml/2006/main" xmlns:r="http://schemas.openxmlformats.org/officeDocument/2006/relationships" xmlns:p="http://schemas.openxmlformats.org/presentationml/2006/main" showMasterSp="0" showMasterPhAnim="0">
+<p:notes xmlns:a="http://schemas.openxmlformats.org/drawingml/2006/main" xmlns:r="http://schemas.openxmlformats.org/officeDocument/2006/relationships" xmlns:p="http://schemas.openxmlformats.org/presentationml/2006/main">
   <p:cSld>
     <p:spTree>
       <p:nvGrpSpPr>
-        <p:cNvPr id="1" name="Shape 123"/>
+        <p:cNvPr id="1" name=""/>
         <p:cNvGrpSpPr/>
         <p:nvPr/>
       </p:nvGrpSpPr>
@@ -1318,12 +1769,12 @@
       </p:grpSpPr>
       <p:sp>
         <p:nvSpPr>
-          <p:cNvPr id="124" name="Shape 124"/>
+          <p:cNvPr id="2" name="Folienbildplatzhalter 1"/>
           <p:cNvSpPr>
             <a:spLocks noGrp="1" noRot="1" noChangeAspect="1"/>
           </p:cNvSpPr>
           <p:nvPr>
-            <p:ph type="sldImg" idx="2"/>
+            <p:ph type="sldImg"/>
           </p:nvPr>
         </p:nvSpPr>
         <p:spPr>
@@ -1331,68 +1782,474 @@
             <a:off x="381000" y="685800"/>
             <a:ext cx="6096000" cy="3429000"/>
           </a:xfrm>
-          <a:custGeom>
-            <a:avLst/>
-            <a:gdLst/>
-            <a:ahLst/>
-            <a:cxnLst/>
-            <a:rect l="0" t="0" r="0" b="0"/>
-            <a:pathLst>
-              <a:path w="120000" h="120000" extrusionOk="0">
-                <a:moveTo>
-                  <a:pt x="0" y="0"/>
-                </a:moveTo>
-                <a:lnTo>
-                  <a:pt x="120000" y="0"/>
-                </a:lnTo>
-                <a:lnTo>
-                  <a:pt x="120000" y="120000"/>
-                </a:lnTo>
-                <a:lnTo>
-                  <a:pt x="0" y="120000"/>
-                </a:lnTo>
-                <a:close/>
-              </a:path>
-            </a:pathLst>
-          </a:custGeom>
         </p:spPr>
       </p:sp>
       <p:sp>
         <p:nvSpPr>
-          <p:cNvPr id="125" name="Shape 125"/>
-          <p:cNvSpPr txBox="1">
+          <p:cNvPr id="3" name="Notizenplatzhalter 2"/>
+          <p:cNvSpPr>
             <a:spLocks noGrp="1"/>
           </p:cNvSpPr>
           <p:nvPr>
             <p:ph type="body" idx="1"/>
           </p:nvPr>
         </p:nvSpPr>
-        <p:spPr>
-          <a:xfrm>
-            <a:off x="685800" y="4343400"/>
-            <a:ext cx="5486399" cy="4114800"/>
-          </a:xfrm>
-          <a:prstGeom prst="rect">
-            <a:avLst/>
-          </a:prstGeom>
-        </p:spPr>
+        <p:spPr/>
         <p:txBody>
-          <a:bodyPr lIns="91425" tIns="91425" rIns="91425" bIns="91425" anchor="t" anchorCtr="0">
-            <a:noAutofit/>
-          </a:bodyPr>
+          <a:bodyPr/>
           <a:lstStyle/>
           <a:p>
-            <a:pPr lvl="0">
-              <a:spcBef>
-                <a:spcPts val="0"/>
-              </a:spcBef>
-              <a:buNone/>
-            </a:pPr>
-            <a:endParaRPr/>
+            <a:r>
+              <a:rPr lang="de-DE" sz="1100" kern="1200" dirty="0">
+                <a:solidFill>
+                  <a:schemeClr val="tx1"/>
+                </a:solidFill>
+                <a:effectLst/>
+                <a:latin typeface="+mn-lt"/>
+                <a:ea typeface="+mn-ea"/>
+                <a:cs typeface="+mn-cs"/>
+              </a:rPr>
+              <a:t>Testen Use </a:t>
+            </a:r>
+            <a:r>
+              <a:rPr lang="de-DE" sz="1100" kern="1200" dirty="0" err="1">
+                <a:solidFill>
+                  <a:schemeClr val="tx1"/>
+                </a:solidFill>
+                <a:effectLst/>
+                <a:latin typeface="+mn-lt"/>
+                <a:ea typeface="+mn-ea"/>
+                <a:cs typeface="+mn-cs"/>
+              </a:rPr>
+              <a:t>cases</a:t>
+            </a:r>
+            <a:r>
+              <a:rPr lang="de-DE" sz="1100" kern="1200" dirty="0">
+                <a:solidFill>
+                  <a:schemeClr val="tx1"/>
+                </a:solidFill>
+                <a:effectLst/>
+                <a:latin typeface="+mn-lt"/>
+                <a:ea typeface="+mn-ea"/>
+                <a:cs typeface="+mn-cs"/>
+              </a:rPr>
+              <a:t> haben wir </a:t>
+            </a:r>
+            <a:r>
+              <a:rPr lang="de-DE" sz="1100" kern="1200" dirty="0" err="1">
+                <a:solidFill>
+                  <a:schemeClr val="tx1"/>
+                </a:solidFill>
+                <a:effectLst/>
+                <a:latin typeface="+mn-lt"/>
+                <a:ea typeface="+mn-ea"/>
+                <a:cs typeface="+mn-cs"/>
+              </a:rPr>
+              <a:t>cucumber</a:t>
+            </a:r>
+            <a:r>
+              <a:rPr lang="de-DE" sz="1100" kern="1200" dirty="0">
+                <a:solidFill>
+                  <a:schemeClr val="tx1"/>
+                </a:solidFill>
+                <a:effectLst/>
+                <a:latin typeface="+mn-lt"/>
+                <a:ea typeface="+mn-ea"/>
+                <a:cs typeface="+mn-cs"/>
+              </a:rPr>
+              <a:t> genutzt. </a:t>
+            </a:r>
+          </a:p>
+          <a:p>
+            <a:r>
+              <a:rPr lang="de-DE" sz="1100" kern="1200" dirty="0">
+                <a:solidFill>
+                  <a:schemeClr val="tx1"/>
+                </a:solidFill>
+                <a:effectLst/>
+                <a:latin typeface="+mn-lt"/>
+                <a:ea typeface="+mn-ea"/>
+                <a:cs typeface="+mn-cs"/>
+              </a:rPr>
+              <a:t>Feature </a:t>
+            </a:r>
+            <a:r>
+              <a:rPr lang="de-DE" sz="1100" kern="1200" dirty="0" err="1">
+                <a:solidFill>
+                  <a:schemeClr val="tx1"/>
+                </a:solidFill>
+                <a:effectLst/>
+                <a:latin typeface="+mn-lt"/>
+                <a:ea typeface="+mn-ea"/>
+                <a:cs typeface="+mn-cs"/>
+              </a:rPr>
+              <a:t>files</a:t>
+            </a:r>
+            <a:r>
+              <a:rPr lang="de-DE" sz="1100" kern="1200" dirty="0">
+                <a:solidFill>
+                  <a:schemeClr val="tx1"/>
+                </a:solidFill>
+                <a:effectLst/>
+                <a:latin typeface="+mn-lt"/>
+                <a:ea typeface="+mn-ea"/>
+                <a:cs typeface="+mn-cs"/>
+              </a:rPr>
+              <a:t> erstellt</a:t>
+            </a:r>
+          </a:p>
+          <a:p>
+            <a:r>
+              <a:rPr lang="de-DE" sz="1100" kern="1200" dirty="0">
+                <a:solidFill>
+                  <a:schemeClr val="tx1"/>
+                </a:solidFill>
+                <a:effectLst/>
+                <a:latin typeface="+mn-lt"/>
+                <a:ea typeface="+mn-ea"/>
+                <a:cs typeface="+mn-cs"/>
+              </a:rPr>
+              <a:t>In Sprache Gherkin geschrieben: Sodass automatisiert </a:t>
+            </a:r>
+            <a:r>
+              <a:rPr lang="de-DE" sz="1100" kern="1200" dirty="0" err="1">
+                <a:solidFill>
+                  <a:schemeClr val="tx1"/>
+                </a:solidFill>
+                <a:effectLst/>
+                <a:latin typeface="+mn-lt"/>
+                <a:ea typeface="+mn-ea"/>
+                <a:cs typeface="+mn-cs"/>
+              </a:rPr>
+              <a:t>use</a:t>
+            </a:r>
+            <a:r>
+              <a:rPr lang="de-DE" sz="1100" kern="1200" dirty="0">
+                <a:solidFill>
+                  <a:schemeClr val="tx1"/>
+                </a:solidFill>
+                <a:effectLst/>
+                <a:latin typeface="+mn-lt"/>
+                <a:ea typeface="+mn-ea"/>
+                <a:cs typeface="+mn-cs"/>
+              </a:rPr>
+              <a:t> </a:t>
+            </a:r>
+            <a:r>
+              <a:rPr lang="de-DE" sz="1100" kern="1200" dirty="0" err="1">
+                <a:solidFill>
+                  <a:schemeClr val="tx1"/>
+                </a:solidFill>
+                <a:effectLst/>
+                <a:latin typeface="+mn-lt"/>
+                <a:ea typeface="+mn-ea"/>
+                <a:cs typeface="+mn-cs"/>
+              </a:rPr>
+              <a:t>cases</a:t>
+            </a:r>
+            <a:r>
+              <a:rPr lang="de-DE" sz="1100" kern="1200" dirty="0">
+                <a:solidFill>
+                  <a:schemeClr val="tx1"/>
+                </a:solidFill>
+                <a:effectLst/>
+                <a:latin typeface="+mn-lt"/>
+                <a:ea typeface="+mn-ea"/>
+                <a:cs typeface="+mn-cs"/>
+              </a:rPr>
+              <a:t> abgefragt werden</a:t>
+            </a:r>
+          </a:p>
+          <a:p>
+            <a:r>
+              <a:rPr lang="de-DE" sz="1100" kern="1200" dirty="0">
+                <a:solidFill>
+                  <a:schemeClr val="tx1"/>
+                </a:solidFill>
+                <a:effectLst/>
+                <a:latin typeface="+mn-lt"/>
+                <a:ea typeface="+mn-ea"/>
+                <a:cs typeface="+mn-cs"/>
+              </a:rPr>
+              <a:t>Beispiel: Bild</a:t>
+            </a:r>
+            <a:endParaRPr lang="de-DE" dirty="0"/>
           </a:p>
         </p:txBody>
       </p:sp>
     </p:spTree>
+    <p:extLst>
+      <p:ext uri="{BB962C8B-B14F-4D97-AF65-F5344CB8AC3E}">
+        <p14:creationId xmlns:p14="http://schemas.microsoft.com/office/powerpoint/2010/main" val="683492654"/>
+      </p:ext>
+    </p:extLst>
+  </p:cSld>
+  <p:clrMapOvr>
+    <a:masterClrMapping/>
+  </p:clrMapOvr>
+</p:notes>
+</file>
+
+<file path=ppt/notesSlides/notesSlide8.xml><?xml version="1.0" encoding="utf-8"?>
+<p:notes xmlns:a="http://schemas.openxmlformats.org/drawingml/2006/main" xmlns:r="http://schemas.openxmlformats.org/officeDocument/2006/relationships" xmlns:p="http://schemas.openxmlformats.org/presentationml/2006/main">
+  <p:cSld>
+    <p:spTree>
+      <p:nvGrpSpPr>
+        <p:cNvPr id="1" name=""/>
+        <p:cNvGrpSpPr/>
+        <p:nvPr/>
+      </p:nvGrpSpPr>
+      <p:grpSpPr>
+        <a:xfrm>
+          <a:off x="0" y="0"/>
+          <a:ext cx="0" cy="0"/>
+          <a:chOff x="0" y="0"/>
+          <a:chExt cx="0" cy="0"/>
+        </a:xfrm>
+      </p:grpSpPr>
+      <p:sp>
+        <p:nvSpPr>
+          <p:cNvPr id="2" name="Folienbildplatzhalter 1"/>
+          <p:cNvSpPr>
+            <a:spLocks noGrp="1" noRot="1" noChangeAspect="1"/>
+          </p:cNvSpPr>
+          <p:nvPr>
+            <p:ph type="sldImg"/>
+          </p:nvPr>
+        </p:nvSpPr>
+        <p:spPr/>
+      </p:sp>
+      <p:sp>
+        <p:nvSpPr>
+          <p:cNvPr id="3" name="Notizenplatzhalter 2"/>
+          <p:cNvSpPr>
+            <a:spLocks noGrp="1"/>
+          </p:cNvSpPr>
+          <p:nvPr>
+            <p:ph type="body" idx="1"/>
+          </p:nvPr>
+        </p:nvSpPr>
+        <p:spPr/>
+        <p:txBody>
+          <a:bodyPr/>
+          <a:lstStyle/>
+          <a:p>
+            <a:r>
+              <a:rPr lang="de-DE" sz="1100" kern="1200" dirty="0">
+                <a:solidFill>
+                  <a:schemeClr val="tx1"/>
+                </a:solidFill>
+                <a:effectLst/>
+                <a:latin typeface="+mn-lt"/>
+                <a:ea typeface="+mn-ea"/>
+                <a:cs typeface="+mn-cs"/>
+              </a:rPr>
+              <a:t>Um vorzeitig fehlerhafte Implementierungen zu stoppen nutzen wir natürlich auch Unit </a:t>
+            </a:r>
+            <a:r>
+              <a:rPr lang="de-DE" sz="1100" kern="1200" dirty="0" err="1">
+                <a:solidFill>
+                  <a:schemeClr val="tx1"/>
+                </a:solidFill>
+                <a:effectLst/>
+                <a:latin typeface="+mn-lt"/>
+                <a:ea typeface="+mn-ea"/>
+                <a:cs typeface="+mn-cs"/>
+              </a:rPr>
+              <a:t>Testing</a:t>
+            </a:r>
+            <a:r>
+              <a:rPr lang="de-DE" sz="1100" kern="1200" dirty="0">
+                <a:solidFill>
+                  <a:schemeClr val="tx1"/>
+                </a:solidFill>
+                <a:effectLst/>
+                <a:latin typeface="+mn-lt"/>
+                <a:ea typeface="+mn-ea"/>
+                <a:cs typeface="+mn-cs"/>
+              </a:rPr>
+              <a:t>:</a:t>
+            </a:r>
+          </a:p>
+          <a:p>
+            <a:r>
+              <a:rPr lang="de-DE" sz="1100" kern="1200" dirty="0">
+                <a:solidFill>
+                  <a:schemeClr val="tx1"/>
+                </a:solidFill>
+                <a:effectLst/>
+                <a:latin typeface="+mn-lt"/>
+                <a:ea typeface="+mn-ea"/>
+                <a:cs typeface="+mn-cs"/>
+              </a:rPr>
+              <a:t>Hierfür nutzen wir das für Java entwickelte Framework </a:t>
+            </a:r>
+            <a:r>
+              <a:rPr lang="de-DE" sz="1100" kern="1200" dirty="0" err="1">
+                <a:solidFill>
+                  <a:schemeClr val="tx1"/>
+                </a:solidFill>
+                <a:effectLst/>
+                <a:latin typeface="+mn-lt"/>
+                <a:ea typeface="+mn-ea"/>
+                <a:cs typeface="+mn-cs"/>
+              </a:rPr>
+              <a:t>JUnit</a:t>
+            </a:r>
+            <a:r>
+              <a:rPr lang="de-DE" sz="1100" kern="1200" dirty="0">
+                <a:solidFill>
+                  <a:schemeClr val="tx1"/>
+                </a:solidFill>
+                <a:effectLst/>
+                <a:latin typeface="+mn-lt"/>
+                <a:ea typeface="+mn-ea"/>
+                <a:cs typeface="+mn-cs"/>
+              </a:rPr>
+              <a:t>.</a:t>
+            </a:r>
+          </a:p>
+          <a:p>
+            <a:r>
+              <a:rPr lang="de-DE" sz="1100" kern="1200" dirty="0">
+                <a:solidFill>
+                  <a:schemeClr val="tx1"/>
+                </a:solidFill>
+                <a:effectLst/>
+                <a:latin typeface="+mn-lt"/>
+                <a:ea typeface="+mn-ea"/>
+                <a:cs typeface="+mn-cs"/>
+              </a:rPr>
+              <a:t>Bevor wir selbst Testen ob Move Right nach Änderung noch funktioniert und süchtig werden </a:t>
+            </a:r>
+            <a:r>
+              <a:rPr lang="de-DE" sz="1100" kern="1200" dirty="0">
+                <a:solidFill>
+                  <a:schemeClr val="tx1"/>
+                </a:solidFill>
+                <a:effectLst/>
+                <a:latin typeface="+mn-lt"/>
+                <a:ea typeface="+mn-ea"/>
+                <a:cs typeface="+mn-cs"/>
+                <a:sym typeface="Wingdings" panose="05000000000000000000" pitchFamily="2" charset="2"/>
+              </a:rPr>
+              <a:t></a:t>
+            </a:r>
+            <a:r>
+              <a:rPr lang="de-DE" sz="1100" kern="1200" dirty="0">
+                <a:solidFill>
+                  <a:schemeClr val="tx1"/>
+                </a:solidFill>
+                <a:effectLst/>
+                <a:latin typeface="+mn-lt"/>
+                <a:ea typeface="+mn-ea"/>
+                <a:cs typeface="+mn-cs"/>
+              </a:rPr>
+              <a:t> Wir können es per Testdurchlauf direkt abfangen. </a:t>
+            </a:r>
+            <a:r>
+              <a:rPr lang="de-DE" sz="1100" kern="1200" dirty="0">
+                <a:solidFill>
+                  <a:schemeClr val="tx1"/>
+                </a:solidFill>
+                <a:effectLst/>
+                <a:latin typeface="+mn-lt"/>
+                <a:ea typeface="+mn-ea"/>
+                <a:cs typeface="+mn-cs"/>
+                <a:sym typeface="Wingdings" panose="05000000000000000000" pitchFamily="2" charset="2"/>
+              </a:rPr>
+              <a:t></a:t>
+            </a:r>
+            <a:r>
+              <a:rPr lang="de-DE" sz="1100" kern="1200" dirty="0">
+                <a:solidFill>
+                  <a:schemeClr val="tx1"/>
+                </a:solidFill>
+                <a:effectLst/>
+                <a:latin typeface="+mn-lt"/>
+                <a:ea typeface="+mn-ea"/>
+                <a:cs typeface="+mn-cs"/>
+              </a:rPr>
+              <a:t> Effizient weiter arbeiten</a:t>
+            </a:r>
+          </a:p>
+          <a:p>
+            <a:endParaRPr lang="de-DE" dirty="0"/>
+          </a:p>
+        </p:txBody>
+      </p:sp>
+    </p:spTree>
+    <p:extLst>
+      <p:ext uri="{BB962C8B-B14F-4D97-AF65-F5344CB8AC3E}">
+        <p14:creationId xmlns:p14="http://schemas.microsoft.com/office/powerpoint/2010/main" val="3232680702"/>
+      </p:ext>
+    </p:extLst>
+  </p:cSld>
+  <p:clrMapOvr>
+    <a:masterClrMapping/>
+  </p:clrMapOvr>
+</p:notes>
+</file>
+
+<file path=ppt/notesSlides/notesSlide9.xml><?xml version="1.0" encoding="utf-8"?>
+<p:notes xmlns:a="http://schemas.openxmlformats.org/drawingml/2006/main" xmlns:r="http://schemas.openxmlformats.org/officeDocument/2006/relationships" xmlns:p="http://schemas.openxmlformats.org/presentationml/2006/main">
+  <p:cSld>
+    <p:spTree>
+      <p:nvGrpSpPr>
+        <p:cNvPr id="1" name=""/>
+        <p:cNvGrpSpPr/>
+        <p:nvPr/>
+      </p:nvGrpSpPr>
+      <p:grpSpPr>
+        <a:xfrm>
+          <a:off x="0" y="0"/>
+          <a:ext cx="0" cy="0"/>
+          <a:chOff x="0" y="0"/>
+          <a:chExt cx="0" cy="0"/>
+        </a:xfrm>
+      </p:grpSpPr>
+      <p:sp>
+        <p:nvSpPr>
+          <p:cNvPr id="2" name="Folienbildplatzhalter 1"/>
+          <p:cNvSpPr>
+            <a:spLocks noGrp="1" noRot="1" noChangeAspect="1"/>
+          </p:cNvSpPr>
+          <p:nvPr>
+            <p:ph type="sldImg"/>
+          </p:nvPr>
+        </p:nvSpPr>
+        <p:spPr>
+          <a:xfrm>
+            <a:off x="381000" y="685800"/>
+            <a:ext cx="6096000" cy="3429000"/>
+          </a:xfrm>
+        </p:spPr>
+      </p:sp>
+      <p:sp>
+        <p:nvSpPr>
+          <p:cNvPr id="3" name="Notizenplatzhalter 2"/>
+          <p:cNvSpPr>
+            <a:spLocks noGrp="1"/>
+          </p:cNvSpPr>
+          <p:nvPr>
+            <p:ph type="body" idx="1"/>
+          </p:nvPr>
+        </p:nvSpPr>
+        <p:spPr/>
+        <p:txBody>
+          <a:bodyPr/>
+          <a:lstStyle/>
+          <a:p>
+            <a:endParaRPr lang="de-DE" dirty="0"/>
+          </a:p>
+        </p:txBody>
+      </p:sp>
+    </p:spTree>
+    <p:extLst>
+      <p:ext uri="{BB962C8B-B14F-4D97-AF65-F5344CB8AC3E}">
+        <p14:creationId xmlns:p14="http://schemas.microsoft.com/office/powerpoint/2010/main" val="2681586836"/>
+      </p:ext>
+    </p:extLst>
   </p:cSld>
   <p:clrMapOvr>
     <a:masterClrMapping/>
@@ -1689,13 +2546,6 @@
   <p:clrMapOvr>
     <a:masterClrMapping/>
   </p:clrMapOvr>
-  <p:timing>
-    <p:tnLst>
-      <p:par>
-        <p:cTn id="1" dur="indefinite" restart="never" nodeType="tmRoot"/>
-      </p:par>
-    </p:tnLst>
-  </p:timing>
 </p:sldLayout>
 </file>
 
@@ -2072,13 +2922,6 @@
   <p:clrMapOvr>
     <a:masterClrMapping/>
   </p:clrMapOvr>
-  <p:timing>
-    <p:tnLst>
-      <p:par>
-        <p:cTn id="1" dur="indefinite" restart="never" nodeType="tmRoot"/>
-      </p:par>
-    </p:tnLst>
-  </p:timing>
 </p:sldLayout>
 </file>
 
@@ -2463,13 +3306,6 @@
   <p:clrMapOvr>
     <a:masterClrMapping/>
   </p:clrMapOvr>
-  <p:timing>
-    <p:tnLst>
-      <p:par>
-        <p:cTn id="1" dur="indefinite" restart="never" nodeType="tmRoot"/>
-      </p:par>
-    </p:tnLst>
-  </p:timing>
 </p:sldLayout>
 </file>
 
@@ -2989,13 +3825,6 @@
     <p:sldLayoutId id="2147483649" r:id="rId2"/>
     <p:sldLayoutId id="2147483654" r:id="rId3"/>
   </p:sldLayoutIdLst>
-  <p:timing>
-    <p:tnLst>
-      <p:par>
-        <p:cTn id="1" dur="indefinite" restart="never" nodeType="tmRoot"/>
-      </p:par>
-    </p:tnLst>
-  </p:timing>
   <p:hf hdr="0" ftr="0" dt="0"/>
   <p:txStyles>
     <p:titleStyle>
@@ -3503,14 +4332,13 @@
               <a:buNone/>
             </a:pPr>
             <a:r>
-              <a:rPr lang="de-DE" dirty="0" smtClean="0"/>
+              <a:rPr lang="de-DE" dirty="0"/>
               <a:t>D</a:t>
             </a:r>
             <a:r>
-              <a:rPr lang="en" dirty="0" smtClean="0"/>
+              <a:rPr lang="en" dirty="0"/>
               <a:t>as zweitbeste Tetris aller Zeiten</a:t>
             </a:r>
-            <a:endParaRPr lang="en" dirty="0"/>
           </a:p>
         </p:txBody>
       </p:sp>
@@ -3580,13 +4408,6 @@
   <p:clrMapOvr>
     <a:masterClrMapping/>
   </p:clrMapOvr>
-  <p:timing>
-    <p:tnLst>
-      <p:par>
-        <p:cTn id="1" dur="indefinite" restart="never" nodeType="tmRoot"/>
-      </p:par>
-    </p:tnLst>
-  </p:timing>
 </p:sld>
 </file>
 
@@ -3676,22 +4497,21 @@
           <a:lstStyle/>
           <a:p>
             <a:r>
-              <a:rPr lang="de-DE" dirty="0" err="1" smtClean="0"/>
+              <a:rPr lang="de-DE" dirty="0" err="1"/>
               <a:t>Use</a:t>
             </a:r>
             <a:r>
-              <a:rPr lang="de-DE" dirty="0" smtClean="0"/>
+              <a:rPr lang="de-DE" dirty="0"/>
               <a:t> Case - Standard-Mode spielen: Mock </a:t>
             </a:r>
             <a:r>
-              <a:rPr lang="de-DE" dirty="0" err="1" smtClean="0"/>
+              <a:rPr lang="de-DE" dirty="0" err="1"/>
               <a:t>Up</a:t>
             </a:r>
             <a:r>
-              <a:rPr lang="de-DE" dirty="0" smtClean="0"/>
+              <a:rPr lang="de-DE" dirty="0"/>
               <a:t>/ Screenshot</a:t>
             </a:r>
-            <a:endParaRPr lang="de-DE" dirty="0"/>
           </a:p>
         </p:txBody>
       </p:sp>
@@ -4755,7 +5575,7 @@
           <a:p>
             <a:pPr algn="ctr"/>
             <a:r>
-              <a:rPr lang="de-DE" b="1" dirty="0" smtClean="0">
+              <a:rPr lang="de-DE" b="1" dirty="0">
                 <a:solidFill>
                   <a:schemeClr val="tx1"/>
                 </a:solidFill>
@@ -4764,13 +5584,13 @@
               <a:t>Planung</a:t>
             </a:r>
             <a:r>
-              <a:rPr lang="de-DE" b="1" dirty="0" smtClean="0">
+              <a:rPr lang="de-DE" b="1" dirty="0">
                 <a:latin typeface="Dosis" panose="020B0604020202020204" charset="0"/>
               </a:rPr>
               <a:t> | </a:t>
             </a:r>
             <a:r>
-              <a:rPr lang="de-DE" b="1" dirty="0" err="1" smtClean="0">
+              <a:rPr lang="de-DE" b="1" dirty="0" err="1">
                 <a:solidFill>
                   <a:schemeClr val="bg1"/>
                 </a:solidFill>
@@ -4779,7 +5599,7 @@
               <a:t>Use</a:t>
             </a:r>
             <a:r>
-              <a:rPr lang="de-DE" b="1" dirty="0" smtClean="0">
+              <a:rPr lang="de-DE" b="1" dirty="0">
                 <a:solidFill>
                   <a:schemeClr val="bg1"/>
                 </a:solidFill>
@@ -4788,14 +5608,11 @@
               <a:t> Case </a:t>
             </a:r>
             <a:r>
-              <a:rPr lang="de-DE" b="1" dirty="0" smtClean="0">
+              <a:rPr lang="de-DE" b="1" dirty="0">
                 <a:latin typeface="Dosis" panose="020B0604020202020204" charset="0"/>
               </a:rPr>
               <a:t>| Technologie | Testen | Architektur | Demo</a:t>
             </a:r>
-            <a:endParaRPr lang="de-DE" b="1" dirty="0">
-              <a:latin typeface="Dosis" panose="020B0604020202020204" charset="0"/>
-            </a:endParaRPr>
           </a:p>
         </p:txBody>
       </p:sp>
@@ -4809,21 +5626,6 @@
   <p:clrMapOvr>
     <a:masterClrMapping/>
   </p:clrMapOvr>
-  <mc:AlternateContent xmlns:mc="http://schemas.openxmlformats.org/markup-compatibility/2006">
-    <mc:Choice xmlns:p14="http://schemas.microsoft.com/office/powerpoint/2010/main" Requires="p14">
-      <p:transition spd="slow" p14:dur="2000"/>
-    </mc:Choice>
-    <mc:Fallback>
-      <p:transition spd="slow"/>
-    </mc:Fallback>
-  </mc:AlternateContent>
-  <p:timing>
-    <p:tnLst>
-      <p:par>
-        <p:cTn id="1" dur="indefinite" restart="never" nodeType="tmRoot"/>
-      </p:par>
-    </p:tnLst>
-  </p:timing>
 </p:sld>
 </file>
 
@@ -6015,7 +6817,7 @@
           <a:p>
             <a:pPr algn="ctr"/>
             <a:r>
-              <a:rPr lang="de-DE" b="1" dirty="0" smtClean="0">
+              <a:rPr lang="de-DE" b="1" dirty="0">
                 <a:solidFill>
                   <a:schemeClr val="tx1"/>
                 </a:solidFill>
@@ -6024,13 +6826,13 @@
               <a:t>Planung</a:t>
             </a:r>
             <a:r>
-              <a:rPr lang="de-DE" b="1" dirty="0" smtClean="0">
+              <a:rPr lang="de-DE" b="1" dirty="0">
                 <a:latin typeface="Dosis" panose="020B0604020202020204" charset="0"/>
               </a:rPr>
               <a:t> | </a:t>
             </a:r>
             <a:r>
-              <a:rPr lang="de-DE" b="1" dirty="0" err="1" smtClean="0">
+              <a:rPr lang="de-DE" b="1" dirty="0" err="1">
                 <a:solidFill>
                   <a:schemeClr val="bg1"/>
                 </a:solidFill>
@@ -6039,7 +6841,7 @@
               <a:t>Use</a:t>
             </a:r>
             <a:r>
-              <a:rPr lang="de-DE" b="1" dirty="0" smtClean="0">
+              <a:rPr lang="de-DE" b="1" dirty="0">
                 <a:solidFill>
                   <a:schemeClr val="bg1"/>
                 </a:solidFill>
@@ -6048,14 +6850,11 @@
               <a:t> Case </a:t>
             </a:r>
             <a:r>
-              <a:rPr lang="de-DE" b="1" dirty="0" smtClean="0">
+              <a:rPr lang="de-DE" b="1" dirty="0">
                 <a:latin typeface="Dosis" panose="020B0604020202020204" charset="0"/>
               </a:rPr>
               <a:t>| Technologie | Testen | Architektur | Demo</a:t>
             </a:r>
-            <a:endParaRPr lang="de-DE" b="1" dirty="0">
-              <a:latin typeface="Dosis" panose="020B0604020202020204" charset="0"/>
-            </a:endParaRPr>
           </a:p>
         </p:txBody>
       </p:sp>
@@ -6069,21 +6868,6 @@
   <p:clrMapOvr>
     <a:masterClrMapping/>
   </p:clrMapOvr>
-  <mc:AlternateContent xmlns:mc="http://schemas.openxmlformats.org/markup-compatibility/2006">
-    <mc:Choice xmlns:p14="http://schemas.microsoft.com/office/powerpoint/2010/main" Requires="p14">
-      <p:transition spd="slow" p14:dur="2000"/>
-    </mc:Choice>
-    <mc:Fallback>
-      <p:transition spd="slow"/>
-    </mc:Fallback>
-  </mc:AlternateContent>
-  <p:timing>
-    <p:tnLst>
-      <p:par>
-        <p:cTn id="1" dur="indefinite" restart="never" nodeType="tmRoot"/>
-      </p:par>
-    </p:tnLst>
-  </p:timing>
 </p:sld>
 </file>
 
@@ -7316,7 +8100,7 @@
           <a:p>
             <a:pPr algn="ctr"/>
             <a:r>
-              <a:rPr lang="de-DE" b="1" dirty="0" smtClean="0">
+              <a:rPr lang="de-DE" b="1" dirty="0">
                 <a:solidFill>
                   <a:schemeClr val="tx1"/>
                 </a:solidFill>
@@ -7325,13 +8109,13 @@
               <a:t>Planung</a:t>
             </a:r>
             <a:r>
-              <a:rPr lang="de-DE" b="1" dirty="0" smtClean="0">
+              <a:rPr lang="de-DE" b="1" dirty="0">
                 <a:latin typeface="Dosis" panose="020B0604020202020204" charset="0"/>
               </a:rPr>
               <a:t> | </a:t>
             </a:r>
             <a:r>
-              <a:rPr lang="de-DE" b="1" dirty="0" err="1" smtClean="0">
+              <a:rPr lang="de-DE" b="1" dirty="0" err="1">
                 <a:solidFill>
                   <a:schemeClr val="bg1"/>
                 </a:solidFill>
@@ -7340,7 +8124,7 @@
               <a:t>Use</a:t>
             </a:r>
             <a:r>
-              <a:rPr lang="de-DE" b="1" dirty="0" smtClean="0">
+              <a:rPr lang="de-DE" b="1" dirty="0">
                 <a:solidFill>
                   <a:schemeClr val="bg1"/>
                 </a:solidFill>
@@ -7349,14 +8133,11 @@
               <a:t> Case </a:t>
             </a:r>
             <a:r>
-              <a:rPr lang="de-DE" b="1" dirty="0" smtClean="0">
+              <a:rPr lang="de-DE" b="1" dirty="0">
                 <a:latin typeface="Dosis" panose="020B0604020202020204" charset="0"/>
               </a:rPr>
               <a:t>| Technologie | Testen | Architektur | Demo</a:t>
             </a:r>
-            <a:endParaRPr lang="de-DE" b="1" dirty="0">
-              <a:latin typeface="Dosis" panose="020B0604020202020204" charset="0"/>
-            </a:endParaRPr>
           </a:p>
         </p:txBody>
       </p:sp>
@@ -7370,21 +8151,6 @@
   <p:clrMapOvr>
     <a:masterClrMapping/>
   </p:clrMapOvr>
-  <mc:AlternateContent xmlns:mc="http://schemas.openxmlformats.org/markup-compatibility/2006">
-    <mc:Choice xmlns:p14="http://schemas.microsoft.com/office/powerpoint/2010/main" Requires="p14">
-      <p:transition spd="slow" p14:dur="2000"/>
-    </mc:Choice>
-    <mc:Fallback>
-      <p:transition spd="slow"/>
-    </mc:Fallback>
-  </mc:AlternateContent>
-  <p:timing>
-    <p:tnLst>
-      <p:par>
-        <p:cTn id="1" dur="indefinite" restart="never" nodeType="tmRoot"/>
-      </p:par>
-    </p:tnLst>
-  </p:timing>
 </p:sld>
 </file>
 
@@ -7421,10 +8187,9 @@
           <a:lstStyle/>
           <a:p>
             <a:r>
-              <a:rPr lang="de-DE" dirty="0" smtClean="0"/>
+              <a:rPr lang="de-DE" dirty="0"/>
               <a:t>Technologie - Software</a:t>
             </a:r>
-            <a:endParaRPr lang="de-DE" dirty="0"/>
           </a:p>
         </p:txBody>
       </p:sp>
@@ -8196,7 +8961,7 @@
           <a:p>
             <a:pPr algn="ctr"/>
             <a:r>
-              <a:rPr lang="de-DE" b="1" dirty="0" smtClean="0">
+              <a:rPr lang="de-DE" b="1" dirty="0">
                 <a:solidFill>
                   <a:schemeClr val="tx1"/>
                 </a:solidFill>
@@ -8205,13 +8970,13 @@
               <a:t>Planung</a:t>
             </a:r>
             <a:r>
-              <a:rPr lang="de-DE" b="1" dirty="0" smtClean="0">
+              <a:rPr lang="de-DE" b="1" dirty="0">
                 <a:latin typeface="Dosis" panose="020B0604020202020204" charset="0"/>
               </a:rPr>
               <a:t> </a:t>
             </a:r>
             <a:r>
-              <a:rPr lang="de-DE" b="1" dirty="0" smtClean="0">
+              <a:rPr lang="de-DE" b="1" dirty="0">
                 <a:solidFill>
                   <a:schemeClr val="tx1"/>
                 </a:solidFill>
@@ -8220,7 +8985,7 @@
               <a:t>| </a:t>
             </a:r>
             <a:r>
-              <a:rPr lang="de-DE" b="1" dirty="0" err="1" smtClean="0">
+              <a:rPr lang="de-DE" b="1" dirty="0" err="1">
                 <a:solidFill>
                   <a:schemeClr val="tx1"/>
                 </a:solidFill>
@@ -8229,7 +8994,7 @@
               <a:t>Use</a:t>
             </a:r>
             <a:r>
-              <a:rPr lang="de-DE" b="1" dirty="0" smtClean="0">
+              <a:rPr lang="de-DE" b="1" dirty="0">
                 <a:solidFill>
                   <a:schemeClr val="tx1"/>
                 </a:solidFill>
@@ -8238,13 +9003,13 @@
               <a:t> Case </a:t>
             </a:r>
             <a:r>
-              <a:rPr lang="de-DE" b="1" dirty="0" smtClean="0">
+              <a:rPr lang="de-DE" b="1" dirty="0">
                 <a:latin typeface="Dosis" panose="020B0604020202020204" charset="0"/>
               </a:rPr>
               <a:t>| </a:t>
             </a:r>
             <a:r>
-              <a:rPr lang="de-DE" b="1" dirty="0" smtClean="0">
+              <a:rPr lang="de-DE" b="1" dirty="0">
                 <a:solidFill>
                   <a:schemeClr val="bg1"/>
                 </a:solidFill>
@@ -8253,14 +9018,11 @@
               <a:t>Technologie </a:t>
             </a:r>
             <a:r>
-              <a:rPr lang="de-DE" b="1" dirty="0" smtClean="0">
+              <a:rPr lang="de-DE" b="1" dirty="0">
                 <a:latin typeface="Dosis" panose="020B0604020202020204" charset="0"/>
               </a:rPr>
               <a:t>| Testen | Architektur | Demo</a:t>
             </a:r>
-            <a:endParaRPr lang="de-DE" b="1" dirty="0">
-              <a:latin typeface="Dosis" panose="020B0604020202020204" charset="0"/>
-            </a:endParaRPr>
           </a:p>
         </p:txBody>
       </p:sp>
@@ -8274,13 +9036,6 @@
   <p:clrMapOvr>
     <a:masterClrMapping/>
   </p:clrMapOvr>
-  <p:timing>
-    <p:tnLst>
-      <p:par>
-        <p:cTn id="1" dur="indefinite" restart="never" nodeType="tmRoot"/>
-      </p:par>
-    </p:tnLst>
-  </p:timing>
 </p:sld>
 </file>
 
@@ -8317,11 +9072,11 @@
           <a:lstStyle/>
           <a:p>
             <a:r>
-              <a:rPr lang="de-DE" dirty="0" smtClean="0"/>
+              <a:rPr lang="de-DE" dirty="0"/>
               <a:t>Technologie - </a:t>
             </a:r>
             <a:r>
-              <a:rPr lang="de-DE" dirty="0" err="1" smtClean="0"/>
+              <a:rPr lang="de-DE" dirty="0" err="1"/>
               <a:t>Metrics</a:t>
             </a:r>
             <a:endParaRPr lang="de-DE" dirty="0"/>
@@ -8400,7 +9155,7 @@
           <a:p>
             <a:pPr algn="ctr"/>
             <a:r>
-              <a:rPr lang="de-DE" b="1" dirty="0" smtClean="0">
+              <a:rPr lang="de-DE" b="1" dirty="0">
                 <a:solidFill>
                   <a:schemeClr val="tx1"/>
                 </a:solidFill>
@@ -8409,13 +9164,13 @@
               <a:t>Planung</a:t>
             </a:r>
             <a:r>
-              <a:rPr lang="de-DE" b="1" dirty="0" smtClean="0">
+              <a:rPr lang="de-DE" b="1" dirty="0">
                 <a:latin typeface="Dosis" panose="020B0604020202020204" charset="0"/>
               </a:rPr>
               <a:t> </a:t>
             </a:r>
             <a:r>
-              <a:rPr lang="de-DE" b="1" dirty="0" smtClean="0">
+              <a:rPr lang="de-DE" b="1" dirty="0">
                 <a:solidFill>
                   <a:schemeClr val="tx1"/>
                 </a:solidFill>
@@ -8424,7 +9179,7 @@
               <a:t>| </a:t>
             </a:r>
             <a:r>
-              <a:rPr lang="de-DE" b="1" dirty="0" err="1" smtClean="0">
+              <a:rPr lang="de-DE" b="1" dirty="0" err="1">
                 <a:solidFill>
                   <a:schemeClr val="tx1"/>
                 </a:solidFill>
@@ -8433,7 +9188,7 @@
               <a:t>Use</a:t>
             </a:r>
             <a:r>
-              <a:rPr lang="de-DE" b="1" dirty="0" smtClean="0">
+              <a:rPr lang="de-DE" b="1" dirty="0">
                 <a:solidFill>
                   <a:schemeClr val="tx1"/>
                 </a:solidFill>
@@ -8442,13 +9197,13 @@
               <a:t> Case </a:t>
             </a:r>
             <a:r>
-              <a:rPr lang="de-DE" b="1" dirty="0" smtClean="0">
+              <a:rPr lang="de-DE" b="1" dirty="0">
                 <a:latin typeface="Dosis" panose="020B0604020202020204" charset="0"/>
               </a:rPr>
               <a:t>| </a:t>
             </a:r>
             <a:r>
-              <a:rPr lang="de-DE" b="1" dirty="0" smtClean="0">
+              <a:rPr lang="de-DE" b="1" dirty="0">
                 <a:solidFill>
                   <a:schemeClr val="bg1"/>
                 </a:solidFill>
@@ -8457,14 +9212,11 @@
               <a:t>Technologie </a:t>
             </a:r>
             <a:r>
-              <a:rPr lang="de-DE" b="1" dirty="0" smtClean="0">
+              <a:rPr lang="de-DE" b="1" dirty="0">
                 <a:latin typeface="Dosis" panose="020B0604020202020204" charset="0"/>
               </a:rPr>
               <a:t>| Testen | Architektur | Demo</a:t>
             </a:r>
-            <a:endParaRPr lang="de-DE" b="1" dirty="0">
-              <a:latin typeface="Dosis" panose="020B0604020202020204" charset="0"/>
-            </a:endParaRPr>
           </a:p>
         </p:txBody>
       </p:sp>
@@ -8478,13 +9230,6 @@
   <p:clrMapOvr>
     <a:masterClrMapping/>
   </p:clrMapOvr>
-  <p:timing>
-    <p:tnLst>
-      <p:par>
-        <p:cTn id="1" dur="indefinite" restart="never" nodeType="tmRoot"/>
-      </p:par>
-    </p:tnLst>
-  </p:timing>
 </p:sld>
 </file>
 
@@ -8521,11 +9266,11 @@
           <a:lstStyle/>
           <a:p>
             <a:r>
-              <a:rPr lang="de-DE" dirty="0" smtClean="0"/>
+              <a:rPr lang="de-DE" dirty="0"/>
               <a:t>Technologie - </a:t>
             </a:r>
             <a:r>
-              <a:rPr lang="de-DE" dirty="0" err="1" smtClean="0"/>
+              <a:rPr lang="de-DE" dirty="0" err="1"/>
               <a:t>Metrics</a:t>
             </a:r>
             <a:endParaRPr lang="de-DE" dirty="0"/>
@@ -8604,7 +9349,7 @@
           <a:p>
             <a:pPr algn="ctr"/>
             <a:r>
-              <a:rPr lang="de-DE" b="1" dirty="0" smtClean="0">
+              <a:rPr lang="de-DE" b="1" dirty="0">
                 <a:solidFill>
                   <a:schemeClr val="tx1"/>
                 </a:solidFill>
@@ -8613,13 +9358,13 @@
               <a:t>Planung</a:t>
             </a:r>
             <a:r>
-              <a:rPr lang="de-DE" b="1" dirty="0" smtClean="0">
+              <a:rPr lang="de-DE" b="1" dirty="0">
                 <a:latin typeface="Dosis" panose="020B0604020202020204" charset="0"/>
               </a:rPr>
               <a:t> </a:t>
             </a:r>
             <a:r>
-              <a:rPr lang="de-DE" b="1" dirty="0" smtClean="0">
+              <a:rPr lang="de-DE" b="1" dirty="0">
                 <a:solidFill>
                   <a:schemeClr val="tx1"/>
                 </a:solidFill>
@@ -8628,7 +9373,7 @@
               <a:t>| </a:t>
             </a:r>
             <a:r>
-              <a:rPr lang="de-DE" b="1" dirty="0" err="1" smtClean="0">
+              <a:rPr lang="de-DE" b="1" dirty="0" err="1">
                 <a:solidFill>
                   <a:schemeClr val="tx1"/>
                 </a:solidFill>
@@ -8637,7 +9382,7 @@
               <a:t>Use</a:t>
             </a:r>
             <a:r>
-              <a:rPr lang="de-DE" b="1" dirty="0" smtClean="0">
+              <a:rPr lang="de-DE" b="1" dirty="0">
                 <a:solidFill>
                   <a:schemeClr val="tx1"/>
                 </a:solidFill>
@@ -8646,13 +9391,13 @@
               <a:t> Case </a:t>
             </a:r>
             <a:r>
-              <a:rPr lang="de-DE" b="1" dirty="0" smtClean="0">
+              <a:rPr lang="de-DE" b="1" dirty="0">
                 <a:latin typeface="Dosis" panose="020B0604020202020204" charset="0"/>
               </a:rPr>
               <a:t>| </a:t>
             </a:r>
             <a:r>
-              <a:rPr lang="de-DE" b="1" dirty="0" smtClean="0">
+              <a:rPr lang="de-DE" b="1" dirty="0">
                 <a:solidFill>
                   <a:schemeClr val="bg1"/>
                 </a:solidFill>
@@ -8661,14 +9406,11 @@
               <a:t>Technologie </a:t>
             </a:r>
             <a:r>
-              <a:rPr lang="de-DE" b="1" dirty="0" smtClean="0">
+              <a:rPr lang="de-DE" b="1" dirty="0">
                 <a:latin typeface="Dosis" panose="020B0604020202020204" charset="0"/>
               </a:rPr>
               <a:t>| Testen | Architektur | Demo</a:t>
             </a:r>
-            <a:endParaRPr lang="de-DE" b="1" dirty="0">
-              <a:latin typeface="Dosis" panose="020B0604020202020204" charset="0"/>
-            </a:endParaRPr>
           </a:p>
         </p:txBody>
       </p:sp>
@@ -8682,13 +9424,6 @@
   <p:clrMapOvr>
     <a:masterClrMapping/>
   </p:clrMapOvr>
-  <p:timing>
-    <p:tnLst>
-      <p:par>
-        <p:cTn id="1" dur="indefinite" restart="never" nodeType="tmRoot"/>
-      </p:par>
-    </p:tnLst>
-  </p:timing>
 </p:sld>
 </file>
 
@@ -8725,11 +9460,11 @@
           <a:lstStyle/>
           <a:p>
             <a:r>
-              <a:rPr lang="de-DE" dirty="0" smtClean="0"/>
+              <a:rPr lang="de-DE" dirty="0"/>
               <a:t>Testen - </a:t>
             </a:r>
             <a:r>
-              <a:rPr lang="de-DE" dirty="0" err="1" smtClean="0"/>
+              <a:rPr lang="de-DE" dirty="0" err="1"/>
               <a:t>Cucumber</a:t>
             </a:r>
             <a:endParaRPr lang="de-DE" dirty="0"/>
@@ -8745,7 +9480,7 @@
           <p:nvPr/>
         </p:nvPicPr>
         <p:blipFill rotWithShape="1">
-          <a:blip r:embed="rId2">
+          <a:blip r:embed="rId3">
             <a:extLst>
               <a:ext uri="{28A0092B-C50C-407E-A947-70E740481C1C}">
                 <a14:useLocalDpi xmlns:a14="http://schemas.microsoft.com/office/drawing/2010/main" val="0"/>
@@ -8797,7 +9532,7 @@
           <p:nvPr/>
         </p:nvPicPr>
         <p:blipFill>
-          <a:blip r:embed="rId3">
+          <a:blip r:embed="rId4">
             <a:extLst>
               <a:ext uri="{28A0092B-C50C-407E-A947-70E740481C1C}">
                 <a14:useLocalDpi xmlns:a14="http://schemas.microsoft.com/office/drawing/2010/main" val="0"/>
@@ -8866,7 +9601,7 @@
           <a:p>
             <a:pPr algn="ctr"/>
             <a:r>
-              <a:rPr lang="de-DE" b="1" dirty="0" smtClean="0">
+              <a:rPr lang="de-DE" b="1" dirty="0">
                 <a:solidFill>
                   <a:schemeClr val="tx1"/>
                 </a:solidFill>
@@ -8875,13 +9610,13 @@
               <a:t>Planung</a:t>
             </a:r>
             <a:r>
-              <a:rPr lang="de-DE" b="1" dirty="0" smtClean="0">
+              <a:rPr lang="de-DE" b="1" dirty="0">
                 <a:latin typeface="Dosis" panose="020B0604020202020204" charset="0"/>
               </a:rPr>
               <a:t> </a:t>
             </a:r>
             <a:r>
-              <a:rPr lang="de-DE" b="1" dirty="0" smtClean="0">
+              <a:rPr lang="de-DE" b="1" dirty="0">
                 <a:solidFill>
                   <a:schemeClr val="tx1"/>
                 </a:solidFill>
@@ -8890,7 +9625,7 @@
               <a:t>| </a:t>
             </a:r>
             <a:r>
-              <a:rPr lang="de-DE" b="1" dirty="0" err="1" smtClean="0">
+              <a:rPr lang="de-DE" b="1" dirty="0" err="1">
                 <a:solidFill>
                   <a:schemeClr val="tx1"/>
                 </a:solidFill>
@@ -8899,7 +9634,7 @@
               <a:t>Use</a:t>
             </a:r>
             <a:r>
-              <a:rPr lang="de-DE" b="1" dirty="0" smtClean="0">
+              <a:rPr lang="de-DE" b="1" dirty="0">
                 <a:solidFill>
                   <a:schemeClr val="tx1"/>
                 </a:solidFill>
@@ -8908,13 +9643,13 @@
               <a:t> Case | Technologie </a:t>
             </a:r>
             <a:r>
-              <a:rPr lang="de-DE" b="1" dirty="0" smtClean="0">
+              <a:rPr lang="de-DE" b="1" dirty="0">
                 <a:latin typeface="Dosis" panose="020B0604020202020204" charset="0"/>
               </a:rPr>
               <a:t>| </a:t>
             </a:r>
             <a:r>
-              <a:rPr lang="de-DE" b="1" dirty="0" smtClean="0">
+              <a:rPr lang="de-DE" b="1" dirty="0">
                 <a:solidFill>
                   <a:schemeClr val="bg1"/>
                 </a:solidFill>
@@ -8923,14 +9658,11 @@
               <a:t>Testen</a:t>
             </a:r>
             <a:r>
-              <a:rPr lang="de-DE" b="1" dirty="0" smtClean="0">
+              <a:rPr lang="de-DE" b="1" dirty="0">
                 <a:latin typeface="Dosis" panose="020B0604020202020204" charset="0"/>
               </a:rPr>
               <a:t> | Architektur | Demo</a:t>
             </a:r>
-            <a:endParaRPr lang="de-DE" b="1" dirty="0">
-              <a:latin typeface="Dosis" panose="020B0604020202020204" charset="0"/>
-            </a:endParaRPr>
           </a:p>
         </p:txBody>
       </p:sp>
@@ -8944,13 +9676,6 @@
   <p:clrMapOvr>
     <a:masterClrMapping/>
   </p:clrMapOvr>
-  <p:timing>
-    <p:tnLst>
-      <p:par>
-        <p:cTn id="1" dur="indefinite" restart="never" nodeType="tmRoot"/>
-      </p:par>
-    </p:tnLst>
-  </p:timing>
 </p:sld>
 </file>
 
@@ -8987,11 +9712,11 @@
           <a:lstStyle/>
           <a:p>
             <a:r>
-              <a:rPr lang="de-DE" dirty="0" smtClean="0"/>
+              <a:rPr lang="de-DE" dirty="0"/>
               <a:t>Testen – </a:t>
             </a:r>
             <a:r>
-              <a:rPr lang="de-DE" dirty="0" err="1" smtClean="0"/>
+              <a:rPr lang="de-DE" dirty="0" err="1"/>
               <a:t>JUnit</a:t>
             </a:r>
             <a:endParaRPr lang="de-DE" dirty="0"/>
@@ -9085,7 +9810,7 @@
           <p:nvPr/>
         </p:nvPicPr>
         <p:blipFill>
-          <a:blip r:embed="rId2">
+          <a:blip r:embed="rId3">
             <a:extLst>
               <a:ext uri="{28A0092B-C50C-407E-A947-70E740481C1C}">
                 <a14:useLocalDpi xmlns:a14="http://schemas.microsoft.com/office/drawing/2010/main" val="0"/>
@@ -9139,7 +9864,7 @@
           <p:nvPr/>
         </p:nvPicPr>
         <p:blipFill>
-          <a:blip r:embed="rId3">
+          <a:blip r:embed="rId4">
             <a:extLst>
               <a:ext uri="{28A0092B-C50C-407E-A947-70E740481C1C}">
                 <a14:useLocalDpi xmlns:a14="http://schemas.microsoft.com/office/drawing/2010/main" val="0"/>
@@ -9195,7 +9920,7 @@
           <a:p>
             <a:pPr algn="ctr"/>
             <a:r>
-              <a:rPr lang="de-DE" b="1" dirty="0" smtClean="0">
+              <a:rPr lang="de-DE" b="1" dirty="0">
                 <a:solidFill>
                   <a:schemeClr val="tx1"/>
                 </a:solidFill>
@@ -9204,13 +9929,13 @@
               <a:t>Planung</a:t>
             </a:r>
             <a:r>
-              <a:rPr lang="de-DE" b="1" dirty="0" smtClean="0">
+              <a:rPr lang="de-DE" b="1" dirty="0">
                 <a:latin typeface="Dosis" panose="020B0604020202020204" charset="0"/>
               </a:rPr>
               <a:t> </a:t>
             </a:r>
             <a:r>
-              <a:rPr lang="de-DE" b="1" dirty="0" smtClean="0">
+              <a:rPr lang="de-DE" b="1" dirty="0">
                 <a:solidFill>
                   <a:schemeClr val="tx1"/>
                 </a:solidFill>
@@ -9219,7 +9944,7 @@
               <a:t>| </a:t>
             </a:r>
             <a:r>
-              <a:rPr lang="de-DE" b="1" dirty="0" err="1" smtClean="0">
+              <a:rPr lang="de-DE" b="1" dirty="0" err="1">
                 <a:solidFill>
                   <a:schemeClr val="tx1"/>
                 </a:solidFill>
@@ -9228,7 +9953,7 @@
               <a:t>Use</a:t>
             </a:r>
             <a:r>
-              <a:rPr lang="de-DE" b="1" dirty="0" smtClean="0">
+              <a:rPr lang="de-DE" b="1" dirty="0">
                 <a:solidFill>
                   <a:schemeClr val="tx1"/>
                 </a:solidFill>
@@ -9237,13 +9962,13 @@
               <a:t> Case | Technologie </a:t>
             </a:r>
             <a:r>
-              <a:rPr lang="de-DE" b="1" dirty="0" smtClean="0">
+              <a:rPr lang="de-DE" b="1" dirty="0">
                 <a:latin typeface="Dosis" panose="020B0604020202020204" charset="0"/>
               </a:rPr>
               <a:t>| </a:t>
             </a:r>
             <a:r>
-              <a:rPr lang="de-DE" b="1" dirty="0" smtClean="0">
+              <a:rPr lang="de-DE" b="1" dirty="0">
                 <a:solidFill>
                   <a:schemeClr val="bg1"/>
                 </a:solidFill>
@@ -9252,14 +9977,11 @@
               <a:t>Testen</a:t>
             </a:r>
             <a:r>
-              <a:rPr lang="de-DE" b="1" dirty="0" smtClean="0">
+              <a:rPr lang="de-DE" b="1" dirty="0">
                 <a:latin typeface="Dosis" panose="020B0604020202020204" charset="0"/>
               </a:rPr>
               <a:t> | Architektur | Demo</a:t>
             </a:r>
-            <a:endParaRPr lang="de-DE" b="1" dirty="0">
-              <a:latin typeface="Dosis" panose="020B0604020202020204" charset="0"/>
-            </a:endParaRPr>
           </a:p>
         </p:txBody>
       </p:sp>
@@ -9273,13 +9995,6 @@
   <p:clrMapOvr>
     <a:masterClrMapping/>
   </p:clrMapOvr>
-  <p:timing>
-    <p:tnLst>
-      <p:par>
-        <p:cTn id="1" dur="indefinite" restart="never" nodeType="tmRoot"/>
-      </p:par>
-    </p:tnLst>
-  </p:timing>
 </p:sld>
 </file>
 
@@ -9316,54 +10031,12 @@
           <a:lstStyle/>
           <a:p>
             <a:r>
-              <a:rPr lang="de-DE" dirty="0" smtClean="0"/>
+              <a:rPr lang="de-DE" dirty="0"/>
               <a:t>Architektur - Klassendiagramm</a:t>
             </a:r>
-            <a:endParaRPr lang="de-DE" dirty="0"/>
           </a:p>
         </p:txBody>
       </p:sp>
-      <p:pic>
-        <p:nvPicPr>
-          <p:cNvPr id="10242" name="Picture 2" descr="Classdiagram.PNG"/>
-          <p:cNvPicPr>
-            <a:picLocks noChangeAspect="1" noChangeArrowheads="1"/>
-          </p:cNvPicPr>
-          <p:nvPr/>
-        </p:nvPicPr>
-        <p:blipFill>
-          <a:blip r:embed="rId2">
-            <a:extLst>
-              <a:ext uri="{28A0092B-C50C-407E-A947-70E740481C1C}">
-                <a14:useLocalDpi xmlns:a14="http://schemas.microsoft.com/office/drawing/2010/main" val="0"/>
-              </a:ext>
-            </a:extLst>
-          </a:blip>
-          <a:srcRect/>
-          <a:stretch>
-            <a:fillRect/>
-          </a:stretch>
-        </p:blipFill>
-        <p:spPr bwMode="auto">
-          <a:xfrm>
-            <a:off x="2555776" y="1058168"/>
-            <a:ext cx="5040560" cy="3833882"/>
-          </a:xfrm>
-          <a:prstGeom prst="rect">
-            <a:avLst/>
-          </a:prstGeom>
-          <a:noFill/>
-          <a:extLst>
-            <a:ext uri="{909E8E84-426E-40DD-AFC4-6F175D3DCCD1}">
-              <a14:hiddenFill xmlns:a14="http://schemas.microsoft.com/office/drawing/2010/main">
-                <a:solidFill>
-                  <a:srgbClr val="FFFFFF"/>
-                </a:solidFill>
-              </a14:hiddenFill>
-            </a:ext>
-          </a:extLst>
-        </p:spPr>
-      </p:pic>
       <p:sp>
         <p:nvSpPr>
           <p:cNvPr id="5" name="Textfeld 4"/>
@@ -9388,7 +10061,7 @@
           <a:p>
             <a:pPr algn="ctr"/>
             <a:r>
-              <a:rPr lang="de-DE" b="1" dirty="0" smtClean="0">
+              <a:rPr lang="de-DE" b="1" dirty="0">
                 <a:solidFill>
                   <a:schemeClr val="tx1"/>
                 </a:solidFill>
@@ -9397,13 +10070,13 @@
               <a:t>Planung</a:t>
             </a:r>
             <a:r>
-              <a:rPr lang="de-DE" b="1" dirty="0" smtClean="0">
+              <a:rPr lang="de-DE" b="1" dirty="0">
                 <a:latin typeface="Dosis" panose="020B0604020202020204" charset="0"/>
               </a:rPr>
               <a:t> </a:t>
             </a:r>
             <a:r>
-              <a:rPr lang="de-DE" b="1" dirty="0" smtClean="0">
+              <a:rPr lang="de-DE" b="1" dirty="0">
                 <a:solidFill>
                   <a:schemeClr val="tx1"/>
                 </a:solidFill>
@@ -9412,7 +10085,7 @@
               <a:t>| </a:t>
             </a:r>
             <a:r>
-              <a:rPr lang="de-DE" b="1" dirty="0" err="1" smtClean="0">
+              <a:rPr lang="de-DE" b="1" dirty="0" err="1">
                 <a:solidFill>
                   <a:schemeClr val="tx1"/>
                 </a:solidFill>
@@ -9421,7 +10094,7 @@
               <a:t>Use</a:t>
             </a:r>
             <a:r>
-              <a:rPr lang="de-DE" b="1" dirty="0" smtClean="0">
+              <a:rPr lang="de-DE" b="1" dirty="0">
                 <a:solidFill>
                   <a:schemeClr val="tx1"/>
                 </a:solidFill>
@@ -9430,13 +10103,13 @@
               <a:t> Case | Technologie </a:t>
             </a:r>
             <a:r>
-              <a:rPr lang="de-DE" b="1" dirty="0" smtClean="0">
+              <a:rPr lang="de-DE" b="1" dirty="0">
                 <a:latin typeface="Dosis" panose="020B0604020202020204" charset="0"/>
               </a:rPr>
               <a:t>| </a:t>
             </a:r>
             <a:r>
-              <a:rPr lang="de-DE" b="1" dirty="0" smtClean="0">
+              <a:rPr lang="de-DE" b="1" dirty="0">
                 <a:solidFill>
                   <a:schemeClr val="tx1"/>
                 </a:solidFill>
@@ -9445,7 +10118,7 @@
               <a:t>Testen |</a:t>
             </a:r>
             <a:r>
-              <a:rPr lang="de-DE" b="1" dirty="0" smtClean="0">
+              <a:rPr lang="de-DE" b="1" dirty="0">
                 <a:solidFill>
                   <a:schemeClr val="bg1"/>
                 </a:solidFill>
@@ -9454,17 +10127,44 @@
               <a:t> Architektur </a:t>
             </a:r>
             <a:r>
-              <a:rPr lang="de-DE" b="1" dirty="0" smtClean="0">
+              <a:rPr lang="de-DE" b="1" dirty="0">
                 <a:latin typeface="Dosis" panose="020B0604020202020204" charset="0"/>
               </a:rPr>
               <a:t>| Demo</a:t>
             </a:r>
-            <a:endParaRPr lang="de-DE" b="1" dirty="0">
-              <a:latin typeface="Dosis" panose="020B0604020202020204" charset="0"/>
-            </a:endParaRPr>
           </a:p>
         </p:txBody>
       </p:sp>
+      <p:pic>
+        <p:nvPicPr>
+          <p:cNvPr id="4" name="Grafik 3">
+            <a:extLst>
+              <a:ext uri="{FF2B5EF4-FFF2-40B4-BE49-F238E27FC236}">
+                <a16:creationId xmlns:a16="http://schemas.microsoft.com/office/drawing/2014/main" id="{8836383C-C87A-4AC1-AF75-EE81D426CB81}"/>
+              </a:ext>
+            </a:extLst>
+          </p:cNvPr>
+          <p:cNvPicPr>
+            <a:picLocks noChangeAspect="1"/>
+          </p:cNvPicPr>
+          <p:nvPr/>
+        </p:nvPicPr>
+        <p:blipFill>
+          <a:blip r:embed="rId3"/>
+          <a:stretch>
+            <a:fillRect/>
+          </a:stretch>
+        </p:blipFill>
+        <p:spPr>
+          <a:xfrm>
+            <a:off x="3185942" y="1074167"/>
+            <a:ext cx="3690314" cy="3808188"/>
+          </a:xfrm>
+          <a:prstGeom prst="rect">
+            <a:avLst/>
+          </a:prstGeom>
+        </p:spPr>
+      </p:pic>
     </p:spTree>
     <p:extLst>
       <p:ext uri="{BB962C8B-B14F-4D97-AF65-F5344CB8AC3E}">
@@ -9475,13 +10175,6 @@
   <p:clrMapOvr>
     <a:masterClrMapping/>
   </p:clrMapOvr>
-  <p:timing>
-    <p:tnLst>
-      <p:par>
-        <p:cTn id="1" dur="indefinite" restart="never" nodeType="tmRoot"/>
-      </p:par>
-    </p:tnLst>
-  </p:timing>
 </p:sld>
 </file>
 
@@ -9518,10 +10211,9 @@
           <a:lstStyle/>
           <a:p>
             <a:r>
-              <a:rPr lang="de-DE" dirty="0" smtClean="0"/>
+              <a:rPr lang="de-DE" dirty="0"/>
               <a:t>Architektur - Design Pattern </a:t>
             </a:r>
-            <a:endParaRPr lang="de-DE" dirty="0"/>
           </a:p>
         </p:txBody>
       </p:sp>
@@ -9534,7 +10226,7 @@
           <p:nvPr/>
         </p:nvPicPr>
         <p:blipFill>
-          <a:blip r:embed="rId2">
+          <a:blip r:embed="rId3">
             <a:extLst>
               <a:ext uri="{28A0092B-C50C-407E-A947-70E740481C1C}">
                 <a14:useLocalDpi xmlns:a14="http://schemas.microsoft.com/office/drawing/2010/main" val="0"/>
@@ -9590,7 +10282,7 @@
           <a:p>
             <a:pPr algn="ctr"/>
             <a:r>
-              <a:rPr lang="de-DE" b="1" dirty="0" smtClean="0">
+              <a:rPr lang="de-DE" b="1" dirty="0">
                 <a:solidFill>
                   <a:schemeClr val="tx1"/>
                 </a:solidFill>
@@ -9599,13 +10291,13 @@
               <a:t>Planung</a:t>
             </a:r>
             <a:r>
-              <a:rPr lang="de-DE" b="1" dirty="0" smtClean="0">
+              <a:rPr lang="de-DE" b="1" dirty="0">
                 <a:latin typeface="Dosis" panose="020B0604020202020204" charset="0"/>
               </a:rPr>
               <a:t> </a:t>
             </a:r>
             <a:r>
-              <a:rPr lang="de-DE" b="1" dirty="0" smtClean="0">
+              <a:rPr lang="de-DE" b="1" dirty="0">
                 <a:solidFill>
                   <a:schemeClr val="tx1"/>
                 </a:solidFill>
@@ -9614,7 +10306,7 @@
               <a:t>| </a:t>
             </a:r>
             <a:r>
-              <a:rPr lang="de-DE" b="1" dirty="0" err="1" smtClean="0">
+              <a:rPr lang="de-DE" b="1" dirty="0" err="1">
                 <a:solidFill>
                   <a:schemeClr val="tx1"/>
                 </a:solidFill>
@@ -9623,7 +10315,7 @@
               <a:t>Use</a:t>
             </a:r>
             <a:r>
-              <a:rPr lang="de-DE" b="1" dirty="0" smtClean="0">
+              <a:rPr lang="de-DE" b="1" dirty="0">
                 <a:solidFill>
                   <a:schemeClr val="tx1"/>
                 </a:solidFill>
@@ -9632,13 +10324,13 @@
               <a:t> Case | Technologie </a:t>
             </a:r>
             <a:r>
-              <a:rPr lang="de-DE" b="1" dirty="0" smtClean="0">
+              <a:rPr lang="de-DE" b="1" dirty="0">
                 <a:latin typeface="Dosis" panose="020B0604020202020204" charset="0"/>
               </a:rPr>
               <a:t>| </a:t>
             </a:r>
             <a:r>
-              <a:rPr lang="de-DE" b="1" dirty="0" smtClean="0">
+              <a:rPr lang="de-DE" b="1" dirty="0">
                 <a:solidFill>
                   <a:schemeClr val="tx1"/>
                 </a:solidFill>
@@ -9647,7 +10339,7 @@
               <a:t>Testen |</a:t>
             </a:r>
             <a:r>
-              <a:rPr lang="de-DE" b="1" dirty="0" smtClean="0">
+              <a:rPr lang="de-DE" b="1" dirty="0">
                 <a:solidFill>
                   <a:schemeClr val="bg1"/>
                 </a:solidFill>
@@ -9656,14 +10348,11 @@
               <a:t> Architektur </a:t>
             </a:r>
             <a:r>
-              <a:rPr lang="de-DE" b="1" dirty="0" smtClean="0">
+              <a:rPr lang="de-DE" b="1" dirty="0">
                 <a:latin typeface="Dosis" panose="020B0604020202020204" charset="0"/>
               </a:rPr>
               <a:t>| Demo</a:t>
             </a:r>
-            <a:endParaRPr lang="de-DE" b="1" dirty="0">
-              <a:latin typeface="Dosis" panose="020B0604020202020204" charset="0"/>
-            </a:endParaRPr>
           </a:p>
         </p:txBody>
       </p:sp>
@@ -9677,13 +10366,6 @@
   <p:clrMapOvr>
     <a:masterClrMapping/>
   </p:clrMapOvr>
-  <p:timing>
-    <p:tnLst>
-      <p:par>
-        <p:cTn id="1" dur="indefinite" restart="never" nodeType="tmRoot"/>
-      </p:par>
-    </p:tnLst>
-  </p:timing>
 </p:sld>
 </file>
 
@@ -9732,7 +10414,7 @@
               <a:buNone/>
             </a:pPr>
             <a:r>
-              <a:rPr lang="en" b="0" dirty="0" smtClean="0"/>
+              <a:rPr lang="en" b="0" dirty="0"/>
               <a:t>Planung - Teamroles</a:t>
             </a:r>
             <a:endParaRPr lang="en" dirty="0"/>
@@ -9763,7 +10445,7 @@
           <a:p>
             <a:pPr algn="ctr"/>
             <a:r>
-              <a:rPr lang="de-DE" b="1" dirty="0" smtClean="0">
+              <a:rPr lang="de-DE" b="1" dirty="0">
                 <a:solidFill>
                   <a:schemeClr val="bg1"/>
                 </a:solidFill>
@@ -9772,26 +10454,23 @@
               <a:t>Planung</a:t>
             </a:r>
             <a:r>
-              <a:rPr lang="de-DE" b="1" dirty="0" smtClean="0">
+              <a:rPr lang="de-DE" b="1" dirty="0">
                 <a:latin typeface="Dosis" panose="020B0604020202020204" charset="0"/>
               </a:rPr>
               <a:t> | </a:t>
             </a:r>
             <a:r>
-              <a:rPr lang="de-DE" b="1" dirty="0" err="1" smtClean="0">
+              <a:rPr lang="de-DE" b="1" dirty="0" err="1">
                 <a:latin typeface="Dosis" panose="020B0604020202020204" charset="0"/>
               </a:rPr>
               <a:t>Use</a:t>
             </a:r>
             <a:r>
-              <a:rPr lang="de-DE" b="1" dirty="0" smtClean="0">
+              <a:rPr lang="de-DE" b="1" dirty="0">
                 <a:latin typeface="Dosis" panose="020B0604020202020204" charset="0"/>
               </a:rPr>
               <a:t> Case | Technologie | Testen | Architektur | Demo</a:t>
             </a:r>
-            <a:endParaRPr lang="de-DE" b="1" dirty="0">
-              <a:latin typeface="Dosis" panose="020B0604020202020204" charset="0"/>
-            </a:endParaRPr>
           </a:p>
         </p:txBody>
       </p:sp>
@@ -9972,13 +10651,6 @@
   <p:clrMapOvr>
     <a:masterClrMapping/>
   </p:clrMapOvr>
-  <p:timing>
-    <p:tnLst>
-      <p:par>
-        <p:cTn id="1" dur="indefinite" restart="never" nodeType="tmRoot"/>
-      </p:par>
-    </p:tnLst>
-  </p:timing>
 </p:sld>
 </file>
 
@@ -10015,10 +10687,9 @@
           <a:lstStyle/>
           <a:p>
             <a:r>
-              <a:rPr lang="de-DE" dirty="0" smtClean="0"/>
+              <a:rPr lang="de-DE" dirty="0"/>
               <a:t>Architektur – MVP Model</a:t>
             </a:r>
-            <a:endParaRPr lang="de-DE" dirty="0"/>
           </a:p>
         </p:txBody>
       </p:sp>
@@ -10031,7 +10702,7 @@
           <p:nvPr/>
         </p:nvPicPr>
         <p:blipFill>
-          <a:blip r:embed="rId2">
+          <a:blip r:embed="rId3">
             <a:extLst>
               <a:ext uri="{28A0092B-C50C-407E-A947-70E740481C1C}">
                 <a14:useLocalDpi xmlns:a14="http://schemas.microsoft.com/office/drawing/2010/main" val="0"/>
@@ -10087,7 +10758,7 @@
           <a:p>
             <a:pPr algn="ctr"/>
             <a:r>
-              <a:rPr lang="de-DE" b="1" dirty="0" smtClean="0">
+              <a:rPr lang="de-DE" b="1" dirty="0">
                 <a:solidFill>
                   <a:schemeClr val="tx1"/>
                 </a:solidFill>
@@ -10096,13 +10767,13 @@
               <a:t>Planung</a:t>
             </a:r>
             <a:r>
-              <a:rPr lang="de-DE" b="1" dirty="0" smtClean="0">
+              <a:rPr lang="de-DE" b="1" dirty="0">
                 <a:latin typeface="Dosis" panose="020B0604020202020204" charset="0"/>
               </a:rPr>
               <a:t> </a:t>
             </a:r>
             <a:r>
-              <a:rPr lang="de-DE" b="1" dirty="0" smtClean="0">
+              <a:rPr lang="de-DE" b="1" dirty="0">
                 <a:solidFill>
                   <a:schemeClr val="tx1"/>
                 </a:solidFill>
@@ -10111,7 +10782,7 @@
               <a:t>| </a:t>
             </a:r>
             <a:r>
-              <a:rPr lang="de-DE" b="1" dirty="0" err="1" smtClean="0">
+              <a:rPr lang="de-DE" b="1" dirty="0" err="1">
                 <a:solidFill>
                   <a:schemeClr val="tx1"/>
                 </a:solidFill>
@@ -10120,7 +10791,7 @@
               <a:t>Use</a:t>
             </a:r>
             <a:r>
-              <a:rPr lang="de-DE" b="1" dirty="0" smtClean="0">
+              <a:rPr lang="de-DE" b="1" dirty="0">
                 <a:solidFill>
                   <a:schemeClr val="tx1"/>
                 </a:solidFill>
@@ -10129,13 +10800,13 @@
               <a:t> Case | Technologie </a:t>
             </a:r>
             <a:r>
-              <a:rPr lang="de-DE" b="1" dirty="0" smtClean="0">
+              <a:rPr lang="de-DE" b="1" dirty="0">
                 <a:latin typeface="Dosis" panose="020B0604020202020204" charset="0"/>
               </a:rPr>
               <a:t>| </a:t>
             </a:r>
             <a:r>
-              <a:rPr lang="de-DE" b="1" dirty="0" smtClean="0">
+              <a:rPr lang="de-DE" b="1" dirty="0">
                 <a:solidFill>
                   <a:schemeClr val="tx1"/>
                 </a:solidFill>
@@ -10144,7 +10815,7 @@
               <a:t>Testen |</a:t>
             </a:r>
             <a:r>
-              <a:rPr lang="de-DE" b="1" dirty="0" smtClean="0">
+              <a:rPr lang="de-DE" b="1" dirty="0">
                 <a:solidFill>
                   <a:schemeClr val="bg1"/>
                 </a:solidFill>
@@ -10153,14 +10824,11 @@
               <a:t> Architektur </a:t>
             </a:r>
             <a:r>
-              <a:rPr lang="de-DE" b="1" dirty="0" smtClean="0">
+              <a:rPr lang="de-DE" b="1" dirty="0">
                 <a:latin typeface="Dosis" panose="020B0604020202020204" charset="0"/>
               </a:rPr>
               <a:t>| Demo</a:t>
             </a:r>
-            <a:endParaRPr lang="de-DE" b="1" dirty="0">
-              <a:latin typeface="Dosis" panose="020B0604020202020204" charset="0"/>
-            </a:endParaRPr>
           </a:p>
         </p:txBody>
       </p:sp>
@@ -10174,13 +10842,6 @@
   <p:clrMapOvr>
     <a:masterClrMapping/>
   </p:clrMapOvr>
-  <p:timing>
-    <p:tnLst>
-      <p:par>
-        <p:cTn id="1" dur="indefinite" restart="never" nodeType="tmRoot"/>
-      </p:par>
-    </p:tnLst>
-  </p:timing>
 </p:sld>
 </file>
 
@@ -10233,10 +10894,9 @@
               <a:buNone/>
             </a:pPr>
             <a:r>
-              <a:rPr lang="en" dirty="0" smtClean="0"/>
+              <a:rPr lang="en" dirty="0"/>
               <a:t>Demo</a:t>
             </a:r>
-            <a:endParaRPr lang="en" dirty="0"/>
           </a:p>
         </p:txBody>
       </p:sp>
@@ -10272,10 +10932,9 @@
               <a:buNone/>
             </a:pPr>
             <a:r>
-              <a:rPr lang="en" dirty="0" smtClean="0"/>
+              <a:rPr lang="en" dirty="0"/>
               <a:t>Let’s play Ankalu-Tetris!</a:t>
             </a:r>
-            <a:endParaRPr lang="en" dirty="0"/>
           </a:p>
         </p:txBody>
       </p:sp>
@@ -10284,13 +10943,6 @@
   <p:clrMapOvr>
     <a:masterClrMapping/>
   </p:clrMapOvr>
-  <p:timing>
-    <p:tnLst>
-      <p:par>
-        <p:cTn id="1" dur="indefinite" restart="never" nodeType="tmRoot"/>
-      </p:par>
-    </p:tnLst>
-  </p:timing>
 </p:sld>
 </file>
 
@@ -10437,13 +11089,6 @@
   <p:clrMapOvr>
     <a:masterClrMapping/>
   </p:clrMapOvr>
-  <p:timing>
-    <p:tnLst>
-      <p:par>
-        <p:cTn id="1" dur="indefinite" restart="never" nodeType="tmRoot"/>
-      </p:par>
-    </p:tnLst>
-  </p:timing>
 </p:sld>
 </file>
 
@@ -10492,7 +11137,7 @@
               <a:buNone/>
             </a:pPr>
             <a:r>
-              <a:rPr lang="en" b="0" dirty="0" smtClean="0"/>
+              <a:rPr lang="en" b="0" dirty="0"/>
               <a:t>Planung - Scrum</a:t>
             </a:r>
             <a:endParaRPr lang="en" dirty="0"/>
@@ -10577,7 +11222,7 @@
           <a:p>
             <a:pPr algn="ctr"/>
             <a:r>
-              <a:rPr lang="de-DE" b="1" dirty="0" smtClean="0">
+              <a:rPr lang="de-DE" b="1" dirty="0">
                 <a:solidFill>
                   <a:schemeClr val="bg1"/>
                 </a:solidFill>
@@ -10586,26 +11231,23 @@
               <a:t>Planung</a:t>
             </a:r>
             <a:r>
-              <a:rPr lang="de-DE" b="1" dirty="0" smtClean="0">
+              <a:rPr lang="de-DE" b="1" dirty="0">
                 <a:latin typeface="Dosis" panose="020B0604020202020204" charset="0"/>
               </a:rPr>
               <a:t> | </a:t>
             </a:r>
             <a:r>
-              <a:rPr lang="de-DE" b="1" dirty="0" err="1" smtClean="0">
+              <a:rPr lang="de-DE" b="1" dirty="0" err="1">
                 <a:latin typeface="Dosis" panose="020B0604020202020204" charset="0"/>
               </a:rPr>
               <a:t>Use</a:t>
             </a:r>
             <a:r>
-              <a:rPr lang="de-DE" b="1" dirty="0" smtClean="0">
+              <a:rPr lang="de-DE" b="1" dirty="0">
                 <a:latin typeface="Dosis" panose="020B0604020202020204" charset="0"/>
               </a:rPr>
               <a:t> Case | Technologie | Testen | Architektur | Demo</a:t>
             </a:r>
-            <a:endParaRPr lang="de-DE" b="1" dirty="0">
-              <a:latin typeface="Dosis" panose="020B0604020202020204" charset="0"/>
-            </a:endParaRPr>
           </a:p>
         </p:txBody>
       </p:sp>
@@ -10619,13 +11261,6 @@
   <p:clrMapOvr>
     <a:masterClrMapping/>
   </p:clrMapOvr>
-  <p:timing>
-    <p:tnLst>
-      <p:par>
-        <p:cTn id="1" dur="indefinite" restart="never" nodeType="tmRoot"/>
-      </p:par>
-    </p:tnLst>
-  </p:timing>
 </p:sld>
 </file>
 
@@ -10674,10 +11309,9 @@
               <a:buNone/>
             </a:pPr>
             <a:r>
-              <a:rPr lang="en" dirty="0" smtClean="0"/>
+              <a:rPr lang="en" dirty="0"/>
               <a:t>Planung - Scrum: Jira</a:t>
             </a:r>
-            <a:endParaRPr lang="en" dirty="0"/>
           </a:p>
         </p:txBody>
       </p:sp>
@@ -10759,7 +11393,7 @@
           <a:p>
             <a:pPr algn="ctr"/>
             <a:r>
-              <a:rPr lang="de-DE" b="1" dirty="0" smtClean="0">
+              <a:rPr lang="de-DE" b="1" dirty="0">
                 <a:solidFill>
                   <a:schemeClr val="bg1"/>
                 </a:solidFill>
@@ -10768,26 +11402,23 @@
               <a:t>Planung</a:t>
             </a:r>
             <a:r>
-              <a:rPr lang="de-DE" b="1" dirty="0" smtClean="0">
+              <a:rPr lang="de-DE" b="1" dirty="0">
                 <a:latin typeface="Dosis" panose="020B0604020202020204" charset="0"/>
               </a:rPr>
               <a:t> | </a:t>
             </a:r>
             <a:r>
-              <a:rPr lang="de-DE" b="1" dirty="0" err="1" smtClean="0">
+              <a:rPr lang="de-DE" b="1" dirty="0" err="1">
                 <a:latin typeface="Dosis" panose="020B0604020202020204" charset="0"/>
               </a:rPr>
               <a:t>Use</a:t>
             </a:r>
             <a:r>
-              <a:rPr lang="de-DE" b="1" dirty="0" smtClean="0">
+              <a:rPr lang="de-DE" b="1" dirty="0">
                 <a:latin typeface="Dosis" panose="020B0604020202020204" charset="0"/>
               </a:rPr>
               <a:t> Case | Technologie | Testen | Architektur | Demo</a:t>
             </a:r>
-            <a:endParaRPr lang="de-DE" b="1" dirty="0">
-              <a:latin typeface="Dosis" panose="020B0604020202020204" charset="0"/>
-            </a:endParaRPr>
           </a:p>
         </p:txBody>
       </p:sp>
@@ -10801,13 +11432,6 @@
   <p:clrMapOvr>
     <a:masterClrMapping/>
   </p:clrMapOvr>
-  <p:timing>
-    <p:tnLst>
-      <p:par>
-        <p:cTn id="1" dur="indefinite" restart="never" nodeType="tmRoot"/>
-      </p:par>
-    </p:tnLst>
-  </p:timing>
 </p:sld>
 </file>
 
@@ -10856,7 +11480,7 @@
               <a:buNone/>
             </a:pPr>
             <a:r>
-              <a:rPr lang="en" b="0" dirty="0" smtClean="0"/>
+              <a:rPr lang="en" b="0" dirty="0"/>
               <a:t>Planung - RUP</a:t>
             </a:r>
             <a:endParaRPr lang="en" dirty="0"/>
@@ -10887,10 +11511,9 @@
               <a:buNone/>
             </a:pPr>
             <a:r>
-              <a:rPr lang="de-DE" dirty="0" smtClean="0"/>
+              <a:rPr lang="de-DE" dirty="0"/>
               <a:t>   </a:t>
             </a:r>
-            <a:endParaRPr lang="de-DE" dirty="0"/>
           </a:p>
         </p:txBody>
       </p:sp>
@@ -10959,7 +11582,7 @@
           <a:p>
             <a:pPr algn="ctr"/>
             <a:r>
-              <a:rPr lang="de-DE" b="1" dirty="0" smtClean="0">
+              <a:rPr lang="de-DE" b="1" dirty="0">
                 <a:solidFill>
                   <a:schemeClr val="bg1"/>
                 </a:solidFill>
@@ -10968,26 +11591,23 @@
               <a:t>Planung</a:t>
             </a:r>
             <a:r>
-              <a:rPr lang="de-DE" b="1" dirty="0" smtClean="0">
+              <a:rPr lang="de-DE" b="1" dirty="0">
                 <a:latin typeface="Dosis" panose="020B0604020202020204" charset="0"/>
               </a:rPr>
               <a:t> | </a:t>
             </a:r>
             <a:r>
-              <a:rPr lang="de-DE" b="1" dirty="0" err="1" smtClean="0">
+              <a:rPr lang="de-DE" b="1" dirty="0" err="1">
                 <a:latin typeface="Dosis" panose="020B0604020202020204" charset="0"/>
               </a:rPr>
               <a:t>Use</a:t>
             </a:r>
             <a:r>
-              <a:rPr lang="de-DE" b="1" dirty="0" smtClean="0">
+              <a:rPr lang="de-DE" b="1" dirty="0">
                 <a:latin typeface="Dosis" panose="020B0604020202020204" charset="0"/>
               </a:rPr>
               <a:t> Case | Technologie | Testen | Architektur | Demo</a:t>
             </a:r>
-            <a:endParaRPr lang="de-DE" b="1" dirty="0">
-              <a:latin typeface="Dosis" panose="020B0604020202020204" charset="0"/>
-            </a:endParaRPr>
           </a:p>
         </p:txBody>
       </p:sp>
@@ -11001,13 +11621,6 @@
   <p:clrMapOvr>
     <a:masterClrMapping/>
   </p:clrMapOvr>
-  <p:timing>
-    <p:tnLst>
-      <p:par>
-        <p:cTn id="1" dur="indefinite" restart="never" nodeType="tmRoot"/>
-      </p:par>
-    </p:tnLst>
-  </p:timing>
 </p:sld>
 </file>
 
@@ -11049,18 +11662,17 @@
           <a:lstStyle/>
           <a:p>
             <a:r>
-              <a:rPr lang="de-DE" dirty="0" smtClean="0"/>
+              <a:rPr lang="de-DE" dirty="0"/>
               <a:t>Planung - </a:t>
             </a:r>
             <a:r>
-              <a:rPr lang="de-DE" dirty="0" err="1" smtClean="0"/>
+              <a:rPr lang="de-DE" dirty="0" err="1"/>
               <a:t>Function</a:t>
             </a:r>
             <a:r>
-              <a:rPr lang="de-DE" dirty="0" smtClean="0"/>
+              <a:rPr lang="de-DE" dirty="0"/>
               <a:t> Points</a:t>
             </a:r>
-            <a:endParaRPr lang="de-DE" dirty="0"/>
           </a:p>
         </p:txBody>
       </p:sp>
@@ -11150,7 +11762,7 @@
           <a:p>
             <a:pPr algn="ctr"/>
             <a:r>
-              <a:rPr lang="de-DE" b="1" dirty="0" smtClean="0">
+              <a:rPr lang="de-DE" b="1" dirty="0">
                 <a:solidFill>
                   <a:schemeClr val="bg1"/>
                 </a:solidFill>
@@ -11159,26 +11771,23 @@
               <a:t>Planung</a:t>
             </a:r>
             <a:r>
-              <a:rPr lang="de-DE" b="1" dirty="0" smtClean="0">
+              <a:rPr lang="de-DE" b="1" dirty="0">
                 <a:latin typeface="Dosis" panose="020B0604020202020204" charset="0"/>
               </a:rPr>
               <a:t> | </a:t>
             </a:r>
             <a:r>
-              <a:rPr lang="de-DE" b="1" dirty="0" err="1" smtClean="0">
+              <a:rPr lang="de-DE" b="1" dirty="0" err="1">
                 <a:latin typeface="Dosis" panose="020B0604020202020204" charset="0"/>
               </a:rPr>
               <a:t>Use</a:t>
             </a:r>
             <a:r>
-              <a:rPr lang="de-DE" b="1" dirty="0" smtClean="0">
+              <a:rPr lang="de-DE" b="1" dirty="0">
                 <a:latin typeface="Dosis" panose="020B0604020202020204" charset="0"/>
               </a:rPr>
               <a:t> Case | Technologie | Testen | Architektur | Demo</a:t>
             </a:r>
-            <a:endParaRPr lang="de-DE" b="1" dirty="0">
-              <a:latin typeface="Dosis" panose="020B0604020202020204" charset="0"/>
-            </a:endParaRPr>
           </a:p>
         </p:txBody>
       </p:sp>
@@ -11192,13 +11801,6 @@
   <p:clrMapOvr>
     <a:masterClrMapping/>
   </p:clrMapOvr>
-  <p:timing>
-    <p:tnLst>
-      <p:par>
-        <p:cTn id="1" dur="indefinite" restart="never" nodeType="tmRoot"/>
-      </p:par>
-    </p:tnLst>
-  </p:timing>
 </p:sld>
 </file>
 
@@ -11235,10 +11837,9 @@
           <a:lstStyle/>
           <a:p>
             <a:r>
-              <a:rPr lang="de-DE" dirty="0" smtClean="0"/>
+              <a:rPr lang="de-DE" dirty="0"/>
               <a:t>Planung - Risikomanagement</a:t>
             </a:r>
-            <a:endParaRPr lang="de-DE" dirty="0"/>
           </a:p>
         </p:txBody>
       </p:sp>
@@ -11265,9 +11866,27 @@
                 <a:tableStyleId>{0E3FDE45-AF77-4B5C-9715-49D594BDF05E}</a:tableStyleId>
               </a:tblPr>
               <a:tblGrid>
-                <a:gridCol w="2392946"/>
-                <a:gridCol w="2346547"/>
-                <a:gridCol w="2369747"/>
+                <a:gridCol w="2392946">
+                  <a:extLst>
+                    <a:ext uri="{9D8B030D-6E8A-4147-A177-3AD203B41FA5}">
+                      <a16:colId xmlns:a16="http://schemas.microsoft.com/office/drawing/2014/main" val="20000"/>
+                    </a:ext>
+                  </a:extLst>
+                </a:gridCol>
+                <a:gridCol w="2346547">
+                  <a:extLst>
+                    <a:ext uri="{9D8B030D-6E8A-4147-A177-3AD203B41FA5}">
+                      <a16:colId xmlns:a16="http://schemas.microsoft.com/office/drawing/2014/main" val="20001"/>
+                    </a:ext>
+                  </a:extLst>
+                </a:gridCol>
+                <a:gridCol w="2369747">
+                  <a:extLst>
+                    <a:ext uri="{9D8B030D-6E8A-4147-A177-3AD203B41FA5}">
+                      <a16:colId xmlns:a16="http://schemas.microsoft.com/office/drawing/2014/main" val="20002"/>
+                    </a:ext>
+                  </a:extLst>
+                </a:gridCol>
               </a:tblGrid>
               <a:tr h="686150">
                 <a:tc>
@@ -11282,7 +11901,7 @@
                         <a:buNone/>
                       </a:pPr>
                       <a:r>
-                        <a:rPr lang="de-DE" sz="1600" b="1" dirty="0" smtClean="0">
+                        <a:rPr lang="de-DE" sz="1600" b="1" dirty="0">
                           <a:solidFill>
                             <a:srgbClr val="222222"/>
                           </a:solidFill>
@@ -11318,7 +11937,7 @@
                         <a:buNone/>
                       </a:pPr>
                       <a:r>
-                        <a:rPr lang="en" sz="1600" b="1" dirty="0" smtClean="0">
+                        <a:rPr lang="en" sz="1600" b="1" dirty="0">
                           <a:solidFill>
                             <a:schemeClr val="tx1"/>
                           </a:solidFill>
@@ -11354,7 +11973,7 @@
                         <a:buNone/>
                       </a:pPr>
                       <a:r>
-                        <a:rPr lang="en" sz="1600" b="1" dirty="0" smtClean="0">
+                        <a:rPr lang="en" sz="1600" b="1" dirty="0">
                           <a:solidFill>
                             <a:schemeClr val="tx1"/>
                           </a:solidFill>
@@ -11378,6 +11997,11 @@
                   </a:txBody>
                   <a:tcPr marL="91425" marR="91425" marT="68575" marB="68575" anchor="ctr"/>
                 </a:tc>
+                <a:extLst>
+                  <a:ext uri="{0D108BD9-81ED-4DB2-BD59-A6C34878D82A}">
+                    <a16:rowId xmlns:a16="http://schemas.microsoft.com/office/drawing/2014/main" val="10000"/>
+                  </a:ext>
+                </a:extLst>
               </a:tr>
               <a:tr h="686150">
                 <a:tc>
@@ -11392,7 +12016,7 @@
                         <a:buNone/>
                       </a:pPr>
                       <a:r>
-                        <a:rPr lang="en" b="1" dirty="0" smtClean="0">
+                        <a:rPr lang="en" b="1" dirty="0">
                           <a:solidFill>
                             <a:srgbClr val="222222"/>
                           </a:solidFill>
@@ -11403,15 +12027,6 @@
                         </a:rPr>
                         <a:t>Unerfahrenheit</a:t>
                       </a:r>
-                      <a:endParaRPr lang="en" b="1" dirty="0">
-                        <a:solidFill>
-                          <a:srgbClr val="222222"/>
-                        </a:solidFill>
-                        <a:latin typeface="Roboto"/>
-                        <a:ea typeface="Roboto"/>
-                        <a:cs typeface="Roboto"/>
-                        <a:sym typeface="Roboto"/>
-                      </a:endParaRPr>
                     </a:p>
                   </a:txBody>
                   <a:tcPr marL="91425" marR="91425" marT="68575" marB="68575" anchor="ctr"/>
@@ -11428,7 +12043,7 @@
                         <a:buNone/>
                       </a:pPr>
                       <a:r>
-                        <a:rPr lang="de-DE" sz="1400" b="0" i="0" u="none" strike="noStrike" cap="none" dirty="0" smtClean="0">
+                        <a:rPr lang="de-DE" sz="1400" b="0" i="0" u="none" strike="noStrike" cap="none" dirty="0">
                           <a:solidFill>
                             <a:schemeClr val="tx1"/>
                           </a:solidFill>
@@ -11441,7 +12056,7 @@
                         <a:t>Learning </a:t>
                       </a:r>
                       <a:r>
-                        <a:rPr lang="de-DE" sz="1400" b="0" i="0" u="none" strike="noStrike" cap="none" dirty="0" err="1" smtClean="0">
+                        <a:rPr lang="de-DE" sz="1400" b="0" i="0" u="none" strike="noStrike" cap="none" dirty="0" err="1">
                           <a:solidFill>
                             <a:schemeClr val="tx1"/>
                           </a:solidFill>
@@ -11454,7 +12069,7 @@
                         <a:t>by</a:t>
                       </a:r>
                       <a:r>
-                        <a:rPr lang="de-DE" sz="1400" b="0" i="0" u="none" strike="noStrike" cap="none" dirty="0" smtClean="0">
+                        <a:rPr lang="de-DE" sz="1400" b="0" i="0" u="none" strike="noStrike" cap="none" dirty="0">
                           <a:solidFill>
                             <a:schemeClr val="tx1"/>
                           </a:solidFill>
@@ -11467,7 +12082,7 @@
                         <a:t> </a:t>
                       </a:r>
                       <a:r>
-                        <a:rPr lang="de-DE" sz="1400" b="0" i="0" u="none" strike="noStrike" cap="none" dirty="0" err="1" smtClean="0">
+                        <a:rPr lang="de-DE" sz="1400" b="0" i="0" u="none" strike="noStrike" cap="none" dirty="0" err="1">
                           <a:solidFill>
                             <a:schemeClr val="tx1"/>
                           </a:solidFill>
@@ -11480,7 +12095,7 @@
                         <a:t>doing</a:t>
                       </a:r>
                       <a:r>
-                        <a:rPr lang="de-DE" sz="1400" b="0" i="0" u="none" strike="noStrike" cap="none" dirty="0" smtClean="0">
+                        <a:rPr lang="de-DE" sz="1400" b="0" i="0" u="none" strike="noStrike" cap="none" dirty="0">
                           <a:solidFill>
                             <a:schemeClr val="tx1"/>
                           </a:solidFill>
@@ -11517,7 +12132,7 @@
                         <a:buNone/>
                       </a:pPr>
                       <a:r>
-                        <a:rPr lang="en" sz="1800" b="0" dirty="0" smtClean="0">
+                        <a:rPr lang="en" sz="1800" b="0" dirty="0">
                           <a:solidFill>
                             <a:schemeClr val="tx1"/>
                           </a:solidFill>
@@ -11541,6 +12156,11 @@
                   </a:txBody>
                   <a:tcPr marL="91425" marR="91425" marT="68575" marB="68575" anchor="ctr"/>
                 </a:tc>
+                <a:extLst>
+                  <a:ext uri="{0D108BD9-81ED-4DB2-BD59-A6C34878D82A}">
+                    <a16:rowId xmlns:a16="http://schemas.microsoft.com/office/drawing/2014/main" val="10001"/>
+                  </a:ext>
+                </a:extLst>
               </a:tr>
               <a:tr h="686150">
                 <a:tc>
@@ -11555,7 +12175,7 @@
                         <a:buNone/>
                       </a:pPr>
                       <a:r>
-                        <a:rPr lang="en" b="1" dirty="0" smtClean="0">
+                        <a:rPr lang="en" b="1" dirty="0">
                           <a:solidFill>
                             <a:srgbClr val="222222"/>
                           </a:solidFill>
@@ -11566,15 +12186,6 @@
                         </a:rPr>
                         <a:t>Unrealistische Deadline</a:t>
                       </a:r>
-                      <a:endParaRPr lang="en" b="1" dirty="0">
-                        <a:solidFill>
-                          <a:srgbClr val="222222"/>
-                        </a:solidFill>
-                        <a:latin typeface="Roboto"/>
-                        <a:ea typeface="Roboto"/>
-                        <a:cs typeface="Roboto"/>
-                        <a:sym typeface="Roboto"/>
-                      </a:endParaRPr>
                     </a:p>
                   </a:txBody>
                   <a:tcPr marL="91425" marR="91425" marT="68575" marB="68575" anchor="ctr"/>
@@ -11591,7 +12202,7 @@
                         <a:buNone/>
                       </a:pPr>
                       <a:r>
-                        <a:rPr lang="de-DE" sz="1400" b="0" i="0" u="none" strike="noStrike" cap="none" dirty="0" smtClean="0">
+                        <a:rPr lang="de-DE" sz="1400" b="0" i="0" u="none" strike="noStrike" cap="none" dirty="0">
                           <a:solidFill>
                             <a:schemeClr val="tx1"/>
                           </a:solidFill>
@@ -11628,7 +12239,7 @@
                         <a:buNone/>
                       </a:pPr>
                       <a:r>
-                        <a:rPr lang="en" sz="1800" b="0" dirty="0" smtClean="0">
+                        <a:rPr lang="en" sz="1800" b="0" dirty="0">
                           <a:solidFill>
                             <a:schemeClr val="tx1"/>
                           </a:solidFill>
@@ -11652,6 +12263,11 @@
                   </a:txBody>
                   <a:tcPr marL="91425" marR="91425" marT="68575" marB="68575" anchor="ctr"/>
                 </a:tc>
+                <a:extLst>
+                  <a:ext uri="{0D108BD9-81ED-4DB2-BD59-A6C34878D82A}">
+                    <a16:rowId xmlns:a16="http://schemas.microsoft.com/office/drawing/2014/main" val="10002"/>
+                  </a:ext>
+                </a:extLst>
               </a:tr>
               <a:tr h="686150">
                 <a:tc>
@@ -11666,7 +12282,7 @@
                         <a:buNone/>
                       </a:pPr>
                       <a:r>
-                        <a:rPr lang="en" b="1" dirty="0" smtClean="0">
+                        <a:rPr lang="en" b="1" dirty="0">
                           <a:sym typeface="Roboto"/>
                         </a:rPr>
                         <a:t>Testen</a:t>
@@ -11696,7 +12312,7 @@
                         <a:buNone/>
                       </a:pPr>
                       <a:r>
-                        <a:rPr lang="de-DE" sz="1400" b="0" i="0" u="none" strike="noStrike" cap="none" dirty="0" smtClean="0">
+                        <a:rPr lang="de-DE" sz="1400" b="0" i="0" u="none" strike="noStrike" cap="none" dirty="0">
                           <a:solidFill>
                             <a:schemeClr val="tx1"/>
                           </a:solidFill>
@@ -11733,7 +12349,7 @@
                         <a:buNone/>
                       </a:pPr>
                       <a:r>
-                        <a:rPr lang="en" sz="1800" dirty="0" smtClean="0">
+                        <a:rPr lang="en" sz="1800" dirty="0">
                           <a:sym typeface="Roboto"/>
                         </a:rPr>
                         <a:t>2,5</a:t>
@@ -11751,6 +12367,11 @@
                   </a:txBody>
                   <a:tcPr marL="91425" marR="91425" marT="68575" marB="68575" anchor="ctr"/>
                 </a:tc>
+                <a:extLst>
+                  <a:ext uri="{0D108BD9-81ED-4DB2-BD59-A6C34878D82A}">
+                    <a16:rowId xmlns:a16="http://schemas.microsoft.com/office/drawing/2014/main" val="10003"/>
+                  </a:ext>
+                </a:extLst>
               </a:tr>
             </a:tbl>
           </a:graphicData>
@@ -11780,7 +12401,7 @@
           <a:p>
             <a:pPr algn="ctr"/>
             <a:r>
-              <a:rPr lang="de-DE" b="1" dirty="0" smtClean="0">
+              <a:rPr lang="de-DE" b="1" dirty="0">
                 <a:solidFill>
                   <a:schemeClr val="bg1"/>
                 </a:solidFill>
@@ -11789,26 +12410,23 @@
               <a:t>Planung</a:t>
             </a:r>
             <a:r>
-              <a:rPr lang="de-DE" b="1" dirty="0" smtClean="0">
+              <a:rPr lang="de-DE" b="1" dirty="0">
                 <a:latin typeface="Dosis" panose="020B0604020202020204" charset="0"/>
               </a:rPr>
               <a:t> | </a:t>
             </a:r>
             <a:r>
-              <a:rPr lang="de-DE" b="1" dirty="0" err="1" smtClean="0">
+              <a:rPr lang="de-DE" b="1" dirty="0" err="1">
                 <a:latin typeface="Dosis" panose="020B0604020202020204" charset="0"/>
               </a:rPr>
               <a:t>Use</a:t>
             </a:r>
             <a:r>
-              <a:rPr lang="de-DE" b="1" dirty="0" smtClean="0">
+              <a:rPr lang="de-DE" b="1" dirty="0">
                 <a:latin typeface="Dosis" panose="020B0604020202020204" charset="0"/>
               </a:rPr>
               <a:t> Case | Technologie | Testen | Architektur | Demo</a:t>
             </a:r>
-            <a:endParaRPr lang="de-DE" b="1" dirty="0">
-              <a:latin typeface="Dosis" panose="020B0604020202020204" charset="0"/>
-            </a:endParaRPr>
           </a:p>
         </p:txBody>
       </p:sp>
@@ -11822,13 +12440,6 @@
   <p:clrMapOvr>
     <a:masterClrMapping/>
   </p:clrMapOvr>
-  <p:timing>
-    <p:tnLst>
-      <p:par>
-        <p:cTn id="1" dur="indefinite" restart="never" nodeType="tmRoot"/>
-      </p:par>
-    </p:tnLst>
-  </p:timing>
 </p:sld>
 </file>
 
@@ -11865,23 +12476,23 @@
           <a:lstStyle/>
           <a:p>
             <a:r>
-              <a:rPr lang="de-DE" dirty="0" err="1" smtClean="0"/>
+              <a:rPr lang="de-DE" dirty="0" err="1"/>
               <a:t>Use</a:t>
             </a:r>
             <a:r>
-              <a:rPr lang="de-DE" dirty="0" smtClean="0"/>
+              <a:rPr lang="de-DE" dirty="0"/>
               <a:t> Case – Overall </a:t>
             </a:r>
             <a:r>
-              <a:rPr lang="de-DE" dirty="0" err="1" smtClean="0"/>
+              <a:rPr lang="de-DE" dirty="0" err="1"/>
               <a:t>Use</a:t>
             </a:r>
             <a:r>
-              <a:rPr lang="de-DE" dirty="0" smtClean="0"/>
+              <a:rPr lang="de-DE" dirty="0"/>
               <a:t>-Case </a:t>
             </a:r>
             <a:r>
-              <a:rPr lang="de-DE" dirty="0" err="1" smtClean="0"/>
+              <a:rPr lang="de-DE" dirty="0" err="1"/>
               <a:t>Diagram</a:t>
             </a:r>
             <a:endParaRPr lang="de-DE" dirty="0"/>
@@ -11962,7 +12573,7 @@
           <a:p>
             <a:pPr algn="ctr"/>
             <a:r>
-              <a:rPr lang="de-DE" b="1" dirty="0" smtClean="0">
+              <a:rPr lang="de-DE" b="1" dirty="0">
                 <a:solidFill>
                   <a:schemeClr val="tx1"/>
                 </a:solidFill>
@@ -11971,13 +12582,13 @@
               <a:t>Planung</a:t>
             </a:r>
             <a:r>
-              <a:rPr lang="de-DE" b="1" dirty="0" smtClean="0">
+              <a:rPr lang="de-DE" b="1" dirty="0">
                 <a:latin typeface="Dosis" panose="020B0604020202020204" charset="0"/>
               </a:rPr>
               <a:t> | </a:t>
             </a:r>
             <a:r>
-              <a:rPr lang="de-DE" b="1" dirty="0" err="1" smtClean="0">
+              <a:rPr lang="de-DE" b="1" dirty="0" err="1">
                 <a:solidFill>
                   <a:schemeClr val="bg1"/>
                 </a:solidFill>
@@ -11986,7 +12597,7 @@
               <a:t>Use</a:t>
             </a:r>
             <a:r>
-              <a:rPr lang="de-DE" b="1" dirty="0" smtClean="0">
+              <a:rPr lang="de-DE" b="1" dirty="0">
                 <a:solidFill>
                   <a:schemeClr val="bg1"/>
                 </a:solidFill>
@@ -11995,14 +12606,11 @@
               <a:t> Case </a:t>
             </a:r>
             <a:r>
-              <a:rPr lang="de-DE" b="1" dirty="0" smtClean="0">
+              <a:rPr lang="de-DE" b="1" dirty="0">
                 <a:latin typeface="Dosis" panose="020B0604020202020204" charset="0"/>
               </a:rPr>
               <a:t>| Technologie | Testen | Architektur | Demo</a:t>
             </a:r>
-            <a:endParaRPr lang="de-DE" b="1" dirty="0">
-              <a:latin typeface="Dosis" panose="020B0604020202020204" charset="0"/>
-            </a:endParaRPr>
           </a:p>
         </p:txBody>
       </p:sp>
@@ -12016,13 +12624,6 @@
   <p:clrMapOvr>
     <a:masterClrMapping/>
   </p:clrMapOvr>
-  <p:timing>
-    <p:tnLst>
-      <p:par>
-        <p:cTn id="1" dur="indefinite" restart="never" nodeType="tmRoot"/>
-      </p:par>
-    </p:tnLst>
-  </p:timing>
 </p:sld>
 </file>
 
@@ -12059,23 +12660,23 @@
           <a:lstStyle/>
           <a:p>
             <a:r>
-              <a:rPr lang="de-DE" dirty="0" err="1" smtClean="0"/>
+              <a:rPr lang="de-DE" dirty="0" err="1"/>
               <a:t>Use</a:t>
             </a:r>
             <a:r>
-              <a:rPr lang="de-DE" dirty="0" smtClean="0"/>
+              <a:rPr lang="de-DE" dirty="0"/>
               <a:t> Case - Standard-Mode spielen: </a:t>
             </a:r>
             <a:r>
-              <a:rPr lang="de-DE" dirty="0" err="1" smtClean="0"/>
+              <a:rPr lang="de-DE" dirty="0" err="1"/>
               <a:t>Activity</a:t>
             </a:r>
             <a:r>
-              <a:rPr lang="de-DE" dirty="0" smtClean="0"/>
+              <a:rPr lang="de-DE" dirty="0"/>
               <a:t> </a:t>
             </a:r>
             <a:r>
-              <a:rPr lang="de-DE" dirty="0" err="1" smtClean="0"/>
+              <a:rPr lang="de-DE" dirty="0" err="1"/>
               <a:t>Diagram</a:t>
             </a:r>
             <a:endParaRPr lang="de-DE" dirty="0"/>
@@ -12145,7 +12746,7 @@
           <a:p>
             <a:pPr algn="ctr"/>
             <a:r>
-              <a:rPr lang="de-DE" b="1" dirty="0" smtClean="0">
+              <a:rPr lang="de-DE" b="1" dirty="0">
                 <a:solidFill>
                   <a:schemeClr val="tx1"/>
                 </a:solidFill>
@@ -12154,13 +12755,13 @@
               <a:t>Planung</a:t>
             </a:r>
             <a:r>
-              <a:rPr lang="de-DE" b="1" dirty="0" smtClean="0">
+              <a:rPr lang="de-DE" b="1" dirty="0">
                 <a:latin typeface="Dosis" panose="020B0604020202020204" charset="0"/>
               </a:rPr>
               <a:t> | </a:t>
             </a:r>
             <a:r>
-              <a:rPr lang="de-DE" b="1" dirty="0" err="1" smtClean="0">
+              <a:rPr lang="de-DE" b="1" dirty="0" err="1">
                 <a:solidFill>
                   <a:schemeClr val="bg1"/>
                 </a:solidFill>
@@ -12169,7 +12770,7 @@
               <a:t>Use</a:t>
             </a:r>
             <a:r>
-              <a:rPr lang="de-DE" b="1" dirty="0" smtClean="0">
+              <a:rPr lang="de-DE" b="1" dirty="0">
                 <a:solidFill>
                   <a:schemeClr val="bg1"/>
                 </a:solidFill>
@@ -12178,14 +12779,11 @@
               <a:t> Case </a:t>
             </a:r>
             <a:r>
-              <a:rPr lang="de-DE" b="1" dirty="0" smtClean="0">
+              <a:rPr lang="de-DE" b="1" dirty="0">
                 <a:latin typeface="Dosis" panose="020B0604020202020204" charset="0"/>
               </a:rPr>
               <a:t>| Technologie | Testen | Architektur | Demo</a:t>
             </a:r>
-            <a:endParaRPr lang="de-DE" b="1" dirty="0">
-              <a:latin typeface="Dosis" panose="020B0604020202020204" charset="0"/>
-            </a:endParaRPr>
           </a:p>
         </p:txBody>
       </p:sp>
@@ -12199,13 +12797,6 @@
   <p:clrMapOvr>
     <a:masterClrMapping/>
   </p:clrMapOvr>
-  <p:timing>
-    <p:tnLst>
-      <p:par>
-        <p:cTn id="1" dur="indefinite" restart="never" nodeType="tmRoot"/>
-      </p:par>
-    </p:tnLst>
-  </p:timing>
 </p:sld>
 </file>
 

--- a/Ankalu-Presentation.pptx
+++ b/Ankalu-Presentation.pptx
@@ -5,7 +5,7 @@
     <p:sldMasterId id="2147483659" r:id="rId1"/>
   </p:sldMasterIdLst>
   <p:notesMasterIdLst>
-    <p:notesMasterId r:id="rId24"/>
+    <p:notesMasterId r:id="rId25"/>
   </p:notesMasterIdLst>
   <p:sldIdLst>
     <p:sldId id="256" r:id="rId2"/>
@@ -27,24 +27,25 @@
     <p:sldId id="298" r:id="rId18"/>
     <p:sldId id="295" r:id="rId19"/>
     <p:sldId id="296" r:id="rId20"/>
-    <p:sldId id="302" r:id="rId21"/>
-    <p:sldId id="259" r:id="rId22"/>
-    <p:sldId id="305" r:id="rId23"/>
+    <p:sldId id="307" r:id="rId21"/>
+    <p:sldId id="302" r:id="rId22"/>
+    <p:sldId id="259" r:id="rId23"/>
+    <p:sldId id="305" r:id="rId24"/>
   </p:sldIdLst>
   <p:sldSz cx="9144000" cy="5143500" type="screen16x9"/>
   <p:notesSz cx="6858000" cy="9144000"/>
   <p:embeddedFontLst>
     <p:embeddedFont>
       <p:font typeface="Dosis" panose="020B0604020202020204" charset="0"/>
-      <p:regular r:id="rId25"/>
-      <p:bold r:id="rId26"/>
+      <p:regular r:id="rId26"/>
+      <p:bold r:id="rId27"/>
     </p:embeddedFont>
     <p:embeddedFont>
       <p:font typeface="Roboto" panose="020B0604020202020204" charset="0"/>
-      <p:regular r:id="rId27"/>
-      <p:bold r:id="rId28"/>
-      <p:italic r:id="rId29"/>
-      <p:boldItalic r:id="rId30"/>
+      <p:regular r:id="rId28"/>
+      <p:bold r:id="rId29"/>
+      <p:italic r:id="rId30"/>
+      <p:boldItalic r:id="rId31"/>
     </p:embeddedFont>
   </p:embeddedFontLst>
   <p:defaultTextStyle>
@@ -273,6 +274,7 @@
             <p14:sldId id="298"/>
             <p14:sldId id="295"/>
             <p14:sldId id="296"/>
+            <p14:sldId id="307"/>
             <p14:sldId id="302"/>
             <p14:sldId id="259"/>
             <p14:sldId id="305"/>
@@ -967,6 +969,81 @@
             <p:ph type="sldImg"/>
           </p:nvPr>
         </p:nvSpPr>
+        <p:spPr>
+          <a:xfrm>
+            <a:off x="381000" y="685800"/>
+            <a:ext cx="6096000" cy="3429000"/>
+          </a:xfrm>
+        </p:spPr>
+      </p:sp>
+      <p:sp>
+        <p:nvSpPr>
+          <p:cNvPr id="3" name="Notizenplatzhalter 2"/>
+          <p:cNvSpPr>
+            <a:spLocks noGrp="1"/>
+          </p:cNvSpPr>
+          <p:nvPr>
+            <p:ph type="body" idx="1"/>
+          </p:nvPr>
+        </p:nvSpPr>
+        <p:spPr/>
+        <p:txBody>
+          <a:bodyPr/>
+          <a:lstStyle/>
+          <a:p>
+            <a:r>
+              <a:rPr lang="de-DE" dirty="0"/>
+              <a:t>Nur in PLAYING : Bewegungstasten</a:t>
+            </a:r>
+          </a:p>
+          <a:p>
+            <a:r>
+              <a:rPr lang="de-DE" dirty="0"/>
+              <a:t>Nur in GAME OVER: Highscore eintragen</a:t>
+            </a:r>
+          </a:p>
+        </p:txBody>
+      </p:sp>
+    </p:spTree>
+    <p:extLst>
+      <p:ext uri="{BB962C8B-B14F-4D97-AF65-F5344CB8AC3E}">
+        <p14:creationId xmlns:p14="http://schemas.microsoft.com/office/powerpoint/2010/main" val="3680421829"/>
+      </p:ext>
+    </p:extLst>
+  </p:cSld>
+  <p:clrMapOvr>
+    <a:masterClrMapping/>
+  </p:clrMapOvr>
+</p:notes>
+</file>
+
+<file path=ppt/notesSlides/notesSlide12.xml><?xml version="1.0" encoding="utf-8"?>
+<p:notes xmlns:a="http://schemas.openxmlformats.org/drawingml/2006/main" xmlns:r="http://schemas.openxmlformats.org/officeDocument/2006/relationships" xmlns:p="http://schemas.openxmlformats.org/presentationml/2006/main">
+  <p:cSld>
+    <p:spTree>
+      <p:nvGrpSpPr>
+        <p:cNvPr id="1" name=""/>
+        <p:cNvGrpSpPr/>
+        <p:nvPr/>
+      </p:nvGrpSpPr>
+      <p:grpSpPr>
+        <a:xfrm>
+          <a:off x="0" y="0"/>
+          <a:ext cx="0" cy="0"/>
+          <a:chOff x="0" y="0"/>
+          <a:chExt cx="0" cy="0"/>
+        </a:xfrm>
+      </p:grpSpPr>
+      <p:sp>
+        <p:nvSpPr>
+          <p:cNvPr id="2" name="Folienbildplatzhalter 1"/>
+          <p:cNvSpPr>
+            <a:spLocks noGrp="1" noRot="1" noChangeAspect="1"/>
+          </p:cNvSpPr>
+          <p:nvPr>
+            <p:ph type="sldImg"/>
+          </p:nvPr>
+        </p:nvSpPr>
         <p:spPr/>
       </p:sp>
       <p:sp>
@@ -1001,7 +1078,7 @@
 </p:notes>
 </file>
 
-<file path=ppt/notesSlides/notesSlide12.xml><?xml version="1.0" encoding="utf-8"?>
+<file path=ppt/notesSlides/notesSlide13.xml><?xml version="1.0" encoding="utf-8"?>
 <p:notes xmlns:a="http://schemas.openxmlformats.org/drawingml/2006/main" xmlns:r="http://schemas.openxmlformats.org/officeDocument/2006/relationships" xmlns:p="http://schemas.openxmlformats.org/presentationml/2006/main" showMasterSp="0" showMasterPhAnim="0">
   <p:cSld>
     <p:spTree>
@@ -10673,6 +10750,630 @@
       </p:grpSpPr>
       <p:sp>
         <p:nvSpPr>
+          <p:cNvPr id="2" name="Titel 1">
+            <a:extLst>
+              <a:ext uri="{FF2B5EF4-FFF2-40B4-BE49-F238E27FC236}">
+                <a16:creationId xmlns:a16="http://schemas.microsoft.com/office/drawing/2014/main" id="{BF44B5B3-A741-4E61-8522-4A9ED945E7E0}"/>
+              </a:ext>
+            </a:extLst>
+          </p:cNvPr>
+          <p:cNvSpPr>
+            <a:spLocks noGrp="1"/>
+          </p:cNvSpPr>
+          <p:nvPr>
+            <p:ph type="title"/>
+          </p:nvPr>
+        </p:nvSpPr>
+        <p:spPr/>
+        <p:txBody>
+          <a:bodyPr/>
+          <a:lstStyle/>
+          <a:p>
+            <a:r>
+              <a:rPr lang="de-DE" dirty="0"/>
+              <a:t>Architektur – Design Pattern</a:t>
+            </a:r>
+          </a:p>
+        </p:txBody>
+      </p:sp>
+      <p:sp>
+        <p:nvSpPr>
+          <p:cNvPr id="3" name="Foliennummernplatzhalter 2">
+            <a:extLst>
+              <a:ext uri="{FF2B5EF4-FFF2-40B4-BE49-F238E27FC236}">
+                <a16:creationId xmlns:a16="http://schemas.microsoft.com/office/drawing/2014/main" id="{E7BCF3A7-09F6-41A9-8B02-EA469D7B2A8D}"/>
+              </a:ext>
+            </a:extLst>
+          </p:cNvPr>
+          <p:cNvSpPr>
+            <a:spLocks noGrp="1"/>
+          </p:cNvSpPr>
+          <p:nvPr>
+            <p:ph type="sldNum" idx="12"/>
+          </p:nvPr>
+        </p:nvSpPr>
+        <p:spPr/>
+        <p:txBody>
+          <a:bodyPr/>
+          <a:lstStyle/>
+          <a:p>
+            <a:pPr lvl="0">
+              <a:spcBef>
+                <a:spcPts val="0"/>
+              </a:spcBef>
+              <a:buNone/>
+            </a:pPr>
+            <a:fld id="{00000000-1234-1234-1234-123412341234}" type="slidenum">
+              <a:rPr lang="en" smtClean="0"/>
+              <a:t>20</a:t>
+            </a:fld>
+            <a:endParaRPr lang="en"/>
+          </a:p>
+        </p:txBody>
+      </p:sp>
+      <p:sp>
+        <p:nvSpPr>
+          <p:cNvPr id="4" name="Rechteck 3">
+            <a:extLst>
+              <a:ext uri="{FF2B5EF4-FFF2-40B4-BE49-F238E27FC236}">
+                <a16:creationId xmlns:a16="http://schemas.microsoft.com/office/drawing/2014/main" id="{C370BFD7-73B3-481F-98B2-96FCF28FD2D4}"/>
+              </a:ext>
+            </a:extLst>
+          </p:cNvPr>
+          <p:cNvSpPr/>
+          <p:nvPr/>
+        </p:nvSpPr>
+        <p:spPr>
+          <a:xfrm>
+            <a:off x="6228184" y="2427734"/>
+            <a:ext cx="1292982" cy="576064"/>
+          </a:xfrm>
+          <a:prstGeom prst="rect">
+            <a:avLst/>
+          </a:prstGeom>
+        </p:spPr>
+        <p:style>
+          <a:lnRef idx="2">
+            <a:schemeClr val="accent6">
+              <a:shade val="50000"/>
+            </a:schemeClr>
+          </a:lnRef>
+          <a:fillRef idx="1">
+            <a:schemeClr val="accent6"/>
+          </a:fillRef>
+          <a:effectRef idx="0">
+            <a:schemeClr val="accent6"/>
+          </a:effectRef>
+          <a:fontRef idx="minor">
+            <a:schemeClr val="lt1"/>
+          </a:fontRef>
+        </p:style>
+        <p:txBody>
+          <a:bodyPr rtlCol="0" anchor="ctr"/>
+          <a:lstStyle/>
+          <a:p>
+            <a:pPr algn="ctr"/>
+            <a:r>
+              <a:rPr lang="de-DE" dirty="0"/>
+              <a:t>GAME OVER</a:t>
+            </a:r>
+          </a:p>
+        </p:txBody>
+      </p:sp>
+      <p:sp>
+        <p:nvSpPr>
+          <p:cNvPr id="5" name="Rechteck 4">
+            <a:extLst>
+              <a:ext uri="{FF2B5EF4-FFF2-40B4-BE49-F238E27FC236}">
+                <a16:creationId xmlns:a16="http://schemas.microsoft.com/office/drawing/2014/main" id="{0DB49011-00B3-4FDD-9E2B-0110B0300E5E}"/>
+              </a:ext>
+            </a:extLst>
+          </p:cNvPr>
+          <p:cNvSpPr/>
+          <p:nvPr/>
+        </p:nvSpPr>
+        <p:spPr>
+          <a:xfrm>
+            <a:off x="2627784" y="2427734"/>
+            <a:ext cx="1292982" cy="576064"/>
+          </a:xfrm>
+          <a:prstGeom prst="rect">
+            <a:avLst/>
+          </a:prstGeom>
+        </p:spPr>
+        <p:style>
+          <a:lnRef idx="2">
+            <a:schemeClr val="accent6">
+              <a:shade val="50000"/>
+            </a:schemeClr>
+          </a:lnRef>
+          <a:fillRef idx="1">
+            <a:schemeClr val="accent6"/>
+          </a:fillRef>
+          <a:effectRef idx="0">
+            <a:schemeClr val="accent6"/>
+          </a:effectRef>
+          <a:fontRef idx="minor">
+            <a:schemeClr val="lt1"/>
+          </a:fontRef>
+        </p:style>
+        <p:txBody>
+          <a:bodyPr rtlCol="0" anchor="ctr"/>
+          <a:lstStyle/>
+          <a:p>
+            <a:pPr algn="ctr"/>
+            <a:r>
+              <a:rPr lang="de-DE" dirty="0"/>
+              <a:t>PLAYING</a:t>
+            </a:r>
+          </a:p>
+        </p:txBody>
+      </p:sp>
+      <p:sp>
+        <p:nvSpPr>
+          <p:cNvPr id="6" name="Rechteck 5">
+            <a:extLst>
+              <a:ext uri="{FF2B5EF4-FFF2-40B4-BE49-F238E27FC236}">
+                <a16:creationId xmlns:a16="http://schemas.microsoft.com/office/drawing/2014/main" id="{53005480-7DA6-4138-93C5-DF1CB2406020}"/>
+              </a:ext>
+            </a:extLst>
+          </p:cNvPr>
+          <p:cNvSpPr/>
+          <p:nvPr/>
+        </p:nvSpPr>
+        <p:spPr>
+          <a:xfrm>
+            <a:off x="4471542" y="1285702"/>
+            <a:ext cx="1292982" cy="576064"/>
+          </a:xfrm>
+          <a:prstGeom prst="rect">
+            <a:avLst/>
+          </a:prstGeom>
+        </p:spPr>
+        <p:style>
+          <a:lnRef idx="2">
+            <a:schemeClr val="accent6">
+              <a:shade val="50000"/>
+            </a:schemeClr>
+          </a:lnRef>
+          <a:fillRef idx="1">
+            <a:schemeClr val="accent6"/>
+          </a:fillRef>
+          <a:effectRef idx="0">
+            <a:schemeClr val="accent6"/>
+          </a:effectRef>
+          <a:fontRef idx="minor">
+            <a:schemeClr val="lt1"/>
+          </a:fontRef>
+        </p:style>
+        <p:txBody>
+          <a:bodyPr rtlCol="0" anchor="ctr"/>
+          <a:lstStyle/>
+          <a:p>
+            <a:pPr algn="ctr"/>
+            <a:r>
+              <a:rPr lang="de-DE" dirty="0"/>
+              <a:t>GETREADY</a:t>
+            </a:r>
+          </a:p>
+        </p:txBody>
+      </p:sp>
+      <p:sp>
+        <p:nvSpPr>
+          <p:cNvPr id="7" name="Rechteck 6">
+            <a:extLst>
+              <a:ext uri="{FF2B5EF4-FFF2-40B4-BE49-F238E27FC236}">
+                <a16:creationId xmlns:a16="http://schemas.microsoft.com/office/drawing/2014/main" id="{2B8D5733-4973-4EDC-9740-D2B58CC410BB}"/>
+              </a:ext>
+            </a:extLst>
+          </p:cNvPr>
+          <p:cNvSpPr/>
+          <p:nvPr/>
+        </p:nvSpPr>
+        <p:spPr>
+          <a:xfrm>
+            <a:off x="4467150" y="3579862"/>
+            <a:ext cx="1292982" cy="576064"/>
+          </a:xfrm>
+          <a:prstGeom prst="rect">
+            <a:avLst/>
+          </a:prstGeom>
+        </p:spPr>
+        <p:style>
+          <a:lnRef idx="2">
+            <a:schemeClr val="accent6">
+              <a:shade val="50000"/>
+            </a:schemeClr>
+          </a:lnRef>
+          <a:fillRef idx="1">
+            <a:schemeClr val="accent6"/>
+          </a:fillRef>
+          <a:effectRef idx="0">
+            <a:schemeClr val="accent6"/>
+          </a:effectRef>
+          <a:fontRef idx="minor">
+            <a:schemeClr val="lt1"/>
+          </a:fontRef>
+        </p:style>
+        <p:txBody>
+          <a:bodyPr rtlCol="0" anchor="ctr"/>
+          <a:lstStyle/>
+          <a:p>
+            <a:pPr algn="ctr"/>
+            <a:r>
+              <a:rPr lang="de-DE" dirty="0"/>
+              <a:t>PAUSE</a:t>
+            </a:r>
+          </a:p>
+        </p:txBody>
+      </p:sp>
+      <p:cxnSp>
+        <p:nvCxnSpPr>
+          <p:cNvPr id="10" name="Gerade Verbindung mit Pfeil 9">
+            <a:extLst>
+              <a:ext uri="{FF2B5EF4-FFF2-40B4-BE49-F238E27FC236}">
+                <a16:creationId xmlns:a16="http://schemas.microsoft.com/office/drawing/2014/main" id="{034A3F39-AB4F-4B7F-B337-9C0A4A2FFDE3}"/>
+              </a:ext>
+            </a:extLst>
+          </p:cNvPr>
+          <p:cNvCxnSpPr>
+            <a:stCxn id="6" idx="1"/>
+            <a:endCxn id="5" idx="0"/>
+          </p:cNvCxnSpPr>
+          <p:nvPr/>
+        </p:nvCxnSpPr>
+        <p:spPr>
+          <a:xfrm flipH="1">
+            <a:off x="3274275" y="1573734"/>
+            <a:ext cx="1197267" cy="854000"/>
+          </a:xfrm>
+          <a:prstGeom prst="straightConnector1">
+            <a:avLst/>
+          </a:prstGeom>
+          <a:ln>
+            <a:tailEnd type="triangle"/>
+          </a:ln>
+        </p:spPr>
+        <p:style>
+          <a:lnRef idx="1">
+            <a:schemeClr val="dk1"/>
+          </a:lnRef>
+          <a:fillRef idx="0">
+            <a:schemeClr val="dk1"/>
+          </a:fillRef>
+          <a:effectRef idx="0">
+            <a:schemeClr val="dk1"/>
+          </a:effectRef>
+          <a:fontRef idx="minor">
+            <a:schemeClr val="tx1"/>
+          </a:fontRef>
+        </p:style>
+      </p:cxnSp>
+      <p:sp>
+        <p:nvSpPr>
+          <p:cNvPr id="11" name="Textfeld 10">
+            <a:extLst>
+              <a:ext uri="{FF2B5EF4-FFF2-40B4-BE49-F238E27FC236}">
+                <a16:creationId xmlns:a16="http://schemas.microsoft.com/office/drawing/2014/main" id="{F94943A6-FA3B-400B-B94C-829DFBDCB840}"/>
+              </a:ext>
+            </a:extLst>
+          </p:cNvPr>
+          <p:cNvSpPr txBox="1"/>
+          <p:nvPr/>
+        </p:nvSpPr>
+        <p:spPr>
+          <a:xfrm rot="19436735">
+            <a:off x="3148452" y="1725286"/>
+            <a:ext cx="1298753" cy="307777"/>
+          </a:xfrm>
+          <a:prstGeom prst="rect">
+            <a:avLst/>
+          </a:prstGeom>
+          <a:noFill/>
+        </p:spPr>
+        <p:txBody>
+          <a:bodyPr wrap="none" rtlCol="0">
+            <a:spAutoFit/>
+          </a:bodyPr>
+          <a:lstStyle/>
+          <a:p>
+            <a:r>
+              <a:rPr lang="de-DE" dirty="0"/>
+              <a:t>Enter </a:t>
+            </a:r>
+            <a:r>
+              <a:rPr lang="de-DE" dirty="0" err="1"/>
+              <a:t>pressed</a:t>
+            </a:r>
+            <a:endParaRPr lang="de-DE" dirty="0"/>
+          </a:p>
+        </p:txBody>
+      </p:sp>
+      <p:cxnSp>
+        <p:nvCxnSpPr>
+          <p:cNvPr id="14" name="Gerade Verbindung mit Pfeil 13">
+            <a:extLst>
+              <a:ext uri="{FF2B5EF4-FFF2-40B4-BE49-F238E27FC236}">
+                <a16:creationId xmlns:a16="http://schemas.microsoft.com/office/drawing/2014/main" id="{B9933890-3209-41B4-960F-9D0459EF7CC1}"/>
+              </a:ext>
+            </a:extLst>
+          </p:cNvPr>
+          <p:cNvCxnSpPr>
+            <a:stCxn id="5" idx="2"/>
+            <a:endCxn id="7" idx="1"/>
+          </p:cNvCxnSpPr>
+          <p:nvPr/>
+        </p:nvCxnSpPr>
+        <p:spPr>
+          <a:xfrm>
+            <a:off x="3274275" y="3003798"/>
+            <a:ext cx="1192875" cy="864096"/>
+          </a:xfrm>
+          <a:prstGeom prst="straightConnector1">
+            <a:avLst/>
+          </a:prstGeom>
+          <a:ln>
+            <a:tailEnd type="triangle"/>
+          </a:ln>
+        </p:spPr>
+        <p:style>
+          <a:lnRef idx="1">
+            <a:schemeClr val="dk1"/>
+          </a:lnRef>
+          <a:fillRef idx="0">
+            <a:schemeClr val="dk1"/>
+          </a:fillRef>
+          <a:effectRef idx="0">
+            <a:schemeClr val="dk1"/>
+          </a:effectRef>
+          <a:fontRef idx="minor">
+            <a:schemeClr val="tx1"/>
+          </a:fontRef>
+        </p:style>
+      </p:cxnSp>
+      <p:sp>
+        <p:nvSpPr>
+          <p:cNvPr id="15" name="Textfeld 14">
+            <a:extLst>
+              <a:ext uri="{FF2B5EF4-FFF2-40B4-BE49-F238E27FC236}">
+                <a16:creationId xmlns:a16="http://schemas.microsoft.com/office/drawing/2014/main" id="{6F4B8970-0952-4B41-818E-6271567B8A99}"/>
+              </a:ext>
+            </a:extLst>
+          </p:cNvPr>
+          <p:cNvSpPr txBox="1"/>
+          <p:nvPr/>
+        </p:nvSpPr>
+        <p:spPr>
+          <a:xfrm rot="2194726">
+            <a:off x="3154244" y="3346727"/>
+            <a:ext cx="1071127" cy="307777"/>
+          </a:xfrm>
+          <a:prstGeom prst="rect">
+            <a:avLst/>
+          </a:prstGeom>
+          <a:noFill/>
+        </p:spPr>
+        <p:txBody>
+          <a:bodyPr wrap="none" rtlCol="0">
+            <a:spAutoFit/>
+          </a:bodyPr>
+          <a:lstStyle/>
+          <a:p>
+            <a:r>
+              <a:rPr lang="de-DE" dirty="0"/>
+              <a:t>‚P‘ </a:t>
+            </a:r>
+            <a:r>
+              <a:rPr lang="de-DE" dirty="0" err="1"/>
+              <a:t>pressed</a:t>
+            </a:r>
+            <a:endParaRPr lang="de-DE" dirty="0"/>
+          </a:p>
+        </p:txBody>
+      </p:sp>
+      <p:cxnSp>
+        <p:nvCxnSpPr>
+          <p:cNvPr id="17" name="Gerade Verbindung mit Pfeil 16">
+            <a:extLst>
+              <a:ext uri="{FF2B5EF4-FFF2-40B4-BE49-F238E27FC236}">
+                <a16:creationId xmlns:a16="http://schemas.microsoft.com/office/drawing/2014/main" id="{ECE4995A-D3FF-4C00-8B19-3FB6AB121371}"/>
+              </a:ext>
+            </a:extLst>
+          </p:cNvPr>
+          <p:cNvCxnSpPr>
+            <a:stCxn id="5" idx="3"/>
+            <a:endCxn id="4" idx="1"/>
+          </p:cNvCxnSpPr>
+          <p:nvPr/>
+        </p:nvCxnSpPr>
+        <p:spPr>
+          <a:xfrm>
+            <a:off x="3920766" y="2715766"/>
+            <a:ext cx="2307418" cy="0"/>
+          </a:xfrm>
+          <a:prstGeom prst="straightConnector1">
+            <a:avLst/>
+          </a:prstGeom>
+          <a:ln>
+            <a:tailEnd type="triangle"/>
+          </a:ln>
+        </p:spPr>
+        <p:style>
+          <a:lnRef idx="1">
+            <a:schemeClr val="dk1"/>
+          </a:lnRef>
+          <a:fillRef idx="0">
+            <a:schemeClr val="dk1"/>
+          </a:fillRef>
+          <a:effectRef idx="0">
+            <a:schemeClr val="dk1"/>
+          </a:effectRef>
+          <a:fontRef idx="minor">
+            <a:schemeClr val="tx1"/>
+          </a:fontRef>
+        </p:style>
+      </p:cxnSp>
+      <p:cxnSp>
+        <p:nvCxnSpPr>
+          <p:cNvPr id="19" name="Gerade Verbindung mit Pfeil 18">
+            <a:extLst>
+              <a:ext uri="{FF2B5EF4-FFF2-40B4-BE49-F238E27FC236}">
+                <a16:creationId xmlns:a16="http://schemas.microsoft.com/office/drawing/2014/main" id="{DC88A3C5-260B-4D4F-8658-2259C93FF91E}"/>
+              </a:ext>
+            </a:extLst>
+          </p:cNvPr>
+          <p:cNvCxnSpPr>
+            <a:stCxn id="4" idx="0"/>
+            <a:endCxn id="6" idx="3"/>
+          </p:cNvCxnSpPr>
+          <p:nvPr/>
+        </p:nvCxnSpPr>
+        <p:spPr>
+          <a:xfrm flipH="1" flipV="1">
+            <a:off x="5764524" y="1573734"/>
+            <a:ext cx="1110151" cy="854000"/>
+          </a:xfrm>
+          <a:prstGeom prst="straightConnector1">
+            <a:avLst/>
+          </a:prstGeom>
+          <a:ln>
+            <a:tailEnd type="triangle"/>
+          </a:ln>
+        </p:spPr>
+        <p:style>
+          <a:lnRef idx="1">
+            <a:schemeClr val="dk1"/>
+          </a:lnRef>
+          <a:fillRef idx="0">
+            <a:schemeClr val="dk1"/>
+          </a:fillRef>
+          <a:effectRef idx="0">
+            <a:schemeClr val="dk1"/>
+          </a:effectRef>
+          <a:fontRef idx="minor">
+            <a:schemeClr val="tx1"/>
+          </a:fontRef>
+        </p:style>
+      </p:cxnSp>
+      <p:cxnSp>
+        <p:nvCxnSpPr>
+          <p:cNvPr id="23" name="Gerade Verbindung mit Pfeil 22">
+            <a:extLst>
+              <a:ext uri="{FF2B5EF4-FFF2-40B4-BE49-F238E27FC236}">
+                <a16:creationId xmlns:a16="http://schemas.microsoft.com/office/drawing/2014/main" id="{CACA4A15-78B8-4EDE-A219-5F48BDF11CAB}"/>
+              </a:ext>
+            </a:extLst>
+          </p:cNvPr>
+          <p:cNvCxnSpPr/>
+          <p:nvPr/>
+        </p:nvCxnSpPr>
+        <p:spPr>
+          <a:xfrm flipH="1" flipV="1">
+            <a:off x="3635896" y="3003798"/>
+            <a:ext cx="831254" cy="576064"/>
+          </a:xfrm>
+          <a:prstGeom prst="straightConnector1">
+            <a:avLst/>
+          </a:prstGeom>
+          <a:ln>
+            <a:tailEnd type="triangle"/>
+          </a:ln>
+        </p:spPr>
+        <p:style>
+          <a:lnRef idx="1">
+            <a:schemeClr val="dk1"/>
+          </a:lnRef>
+          <a:fillRef idx="0">
+            <a:schemeClr val="dk1"/>
+          </a:fillRef>
+          <a:effectRef idx="0">
+            <a:schemeClr val="dk1"/>
+          </a:effectRef>
+          <a:fontRef idx="minor">
+            <a:schemeClr val="tx1"/>
+          </a:fontRef>
+        </p:style>
+      </p:cxnSp>
+      <p:sp>
+        <p:nvSpPr>
+          <p:cNvPr id="24" name="Textfeld 23">
+            <a:extLst>
+              <a:ext uri="{FF2B5EF4-FFF2-40B4-BE49-F238E27FC236}">
+                <a16:creationId xmlns:a16="http://schemas.microsoft.com/office/drawing/2014/main" id="{D28F6D7C-F286-466A-80CC-62E617F5E2FD}"/>
+              </a:ext>
+            </a:extLst>
+          </p:cNvPr>
+          <p:cNvSpPr txBox="1"/>
+          <p:nvPr/>
+        </p:nvSpPr>
+        <p:spPr>
+          <a:xfrm>
+            <a:off x="4191052" y="2410325"/>
+            <a:ext cx="1805302" cy="307777"/>
+          </a:xfrm>
+          <a:prstGeom prst="rect">
+            <a:avLst/>
+          </a:prstGeom>
+          <a:noFill/>
+        </p:spPr>
+        <p:txBody>
+          <a:bodyPr wrap="none" rtlCol="0">
+            <a:spAutoFit/>
+          </a:bodyPr>
+          <a:lstStyle/>
+          <a:p>
+            <a:r>
+              <a:rPr lang="de-DE" dirty="0"/>
+              <a:t>Upper </a:t>
+            </a:r>
+            <a:r>
+              <a:rPr lang="de-DE" dirty="0" err="1"/>
+              <a:t>edge</a:t>
+            </a:r>
+            <a:r>
+              <a:rPr lang="de-DE" dirty="0"/>
+              <a:t> </a:t>
+            </a:r>
+            <a:r>
+              <a:rPr lang="de-DE" dirty="0" err="1"/>
+              <a:t>touched</a:t>
+            </a:r>
+            <a:endParaRPr lang="de-DE" dirty="0"/>
+          </a:p>
+        </p:txBody>
+      </p:sp>
+    </p:spTree>
+    <p:extLst>
+      <p:ext uri="{BB962C8B-B14F-4D97-AF65-F5344CB8AC3E}">
+        <p14:creationId xmlns:p14="http://schemas.microsoft.com/office/powerpoint/2010/main" val="641280295"/>
+      </p:ext>
+    </p:extLst>
+  </p:cSld>
+  <p:clrMapOvr>
+    <a:masterClrMapping/>
+  </p:clrMapOvr>
+</p:sld>
+</file>
+
+<file path=ppt/slides/slide21.xml><?xml version="1.0" encoding="utf-8"?>
+<p:sld xmlns:a="http://schemas.openxmlformats.org/drawingml/2006/main" xmlns:r="http://schemas.openxmlformats.org/officeDocument/2006/relationships" xmlns:p="http://schemas.openxmlformats.org/presentationml/2006/main">
+  <p:cSld>
+    <p:spTree>
+      <p:nvGrpSpPr>
+        <p:cNvPr id="1" name=""/>
+        <p:cNvGrpSpPr/>
+        <p:nvPr/>
+      </p:nvGrpSpPr>
+      <p:grpSpPr>
+        <a:xfrm>
+          <a:off x="0" y="0"/>
+          <a:ext cx="0" cy="0"/>
+          <a:chOff x="0" y="0"/>
+          <a:chExt cx="0" cy="0"/>
+        </a:xfrm>
+      </p:grpSpPr>
+      <p:sp>
+        <p:nvSpPr>
           <p:cNvPr id="2" name="Titel 1"/>
           <p:cNvSpPr>
             <a:spLocks noGrp="1"/>
@@ -10845,7 +11546,7 @@
 </p:sld>
 </file>
 
-<file path=ppt/slides/slide21.xml><?xml version="1.0" encoding="utf-8"?>
+<file path=ppt/slides/slide22.xml><?xml version="1.0" encoding="utf-8"?>
 <p:sld xmlns:a="http://schemas.openxmlformats.org/drawingml/2006/main" xmlns:r="http://schemas.openxmlformats.org/officeDocument/2006/relationships" xmlns:p="http://schemas.openxmlformats.org/presentationml/2006/main">
   <p:cSld>
     <p:spTree>
@@ -10946,7 +11647,7 @@
 </p:sld>
 </file>
 
-<file path=ppt/slides/slide22.xml><?xml version="1.0" encoding="utf-8"?>
+<file path=ppt/slides/slide23.xml><?xml version="1.0" encoding="utf-8"?>
 <p:sld xmlns:a="http://schemas.openxmlformats.org/drawingml/2006/main" xmlns:r="http://schemas.openxmlformats.org/officeDocument/2006/relationships" xmlns:p="http://schemas.openxmlformats.org/presentationml/2006/main">
   <p:cSld>
     <p:spTree>
